--- a/doc/yass.pptx
+++ b/doc/yass.pptx
@@ -5,18 +5,16 @@
     <p:sldMasterId id="2147484264" r:id="rId1"/>
   </p:sldMasterIdLst>
   <p:notesMasterIdLst>
-    <p:notesMasterId r:id="rId11"/>
+    <p:notesMasterId r:id="rId9"/>
   </p:notesMasterIdLst>
   <p:sldIdLst>
-    <p:sldId id="256" r:id="rId2"/>
-    <p:sldId id="296" r:id="rId3"/>
-    <p:sldId id="297" r:id="rId4"/>
-    <p:sldId id="291" r:id="rId5"/>
-    <p:sldId id="294" r:id="rId6"/>
-    <p:sldId id="303" r:id="rId7"/>
-    <p:sldId id="299" r:id="rId8"/>
-    <p:sldId id="300" r:id="rId9"/>
-    <p:sldId id="302" r:id="rId10"/>
+    <p:sldId id="296" r:id="rId2"/>
+    <p:sldId id="297" r:id="rId3"/>
+    <p:sldId id="291" r:id="rId4"/>
+    <p:sldId id="294" r:id="rId5"/>
+    <p:sldId id="303" r:id="rId6"/>
+    <p:sldId id="299" r:id="rId7"/>
+    <p:sldId id="300" r:id="rId8"/>
   </p:sldIdLst>
   <p:sldSz cx="12192000" cy="6858000"/>
   <p:notesSz cx="6858000" cy="9144000"/>
@@ -130,8 +128,15 @@
         </p15:guide>
       </p15:sldGuideLst>
     </p:ext>
+    <p:ext uri="{2D200454-40CA-4A62-9FC3-DE9A4176ACB9}">
+      <p15:notesGuideLst xmlns:p15="http://schemas.microsoft.com/office/powerpoint/2012/main"/>
+    </p:ext>
   </p:extLst>
 </p:presentation>
+</file>
+
+<file path=ppt/revisionInfo.xml><?xml version="1.0" encoding="utf-8"?>
+<p1510:revInfo xmlns:a="http://schemas.openxmlformats.org/drawingml/2006/main" xmlns:r="http://schemas.openxmlformats.org/officeDocument/2006/relationships" xmlns:p1510="http://schemas.microsoft.com/office/powerpoint/2015/10/main"/>
 </file>
 
 <file path=ppt/notesMasters/notesMaster1.xml><?xml version="1.0" encoding="utf-8"?>
@@ -216,7 +221,7 @@
           <a:p>
             <a:fld id="{B1A0F37F-6A46-42A2-94DF-9EA80853E4DE}" type="datetimeFigureOut">
               <a:rPr lang="en-US" smtClean="0"/>
-              <a:t>12/17/2016</a:t>
+              <a:t>8/1/2017</a:t>
             </a:fld>
             <a:endParaRPr lang="en-US"/>
           </a:p>
@@ -516,6 +521,9 @@
             <a:off x="1524000" y="1122363"/>
             <a:ext cx="9144000" cy="2387600"/>
           </a:xfrm>
+          <a:prstGeom prst="rect">
+            <a:avLst/>
+          </a:prstGeom>
         </p:spPr>
         <p:txBody>
           <a:bodyPr anchor="b"/>
@@ -615,7 +623,7 @@
           <a:p>
             <a:fld id="{8DEB70C1-CC5B-40EB-866E-F70B49586701}" type="datetimeFigureOut">
               <a:rPr lang="en-US" smtClean="0"/>
-              <a:t>12/17/2016</a:t>
+              <a:t>8/1/2017</a:t>
             </a:fld>
             <a:endParaRPr lang="en-US"/>
           </a:p>
@@ -703,7 +711,15 @@
             <p:ph type="title"/>
           </p:nvPr>
         </p:nvSpPr>
-        <p:spPr/>
+        <p:spPr>
+          <a:xfrm>
+            <a:off x="838200" y="365125"/>
+            <a:ext cx="10515600" cy="1325563"/>
+          </a:xfrm>
+          <a:prstGeom prst="rect">
+            <a:avLst/>
+          </a:prstGeom>
+        </p:spPr>
         <p:txBody>
           <a:bodyPr/>
           <a:lstStyle/>
@@ -785,7 +801,7 @@
           <a:p>
             <a:fld id="{8DEB70C1-CC5B-40EB-866E-F70B49586701}" type="datetimeFigureOut">
               <a:rPr lang="en-US" smtClean="0"/>
-              <a:t>12/17/2016</a:t>
+              <a:t>8/1/2017</a:t>
             </a:fld>
             <a:endParaRPr lang="en-US"/>
           </a:p>
@@ -878,6 +894,9 @@
             <a:off x="8724900" y="365125"/>
             <a:ext cx="2628900" cy="5811838"/>
           </a:xfrm>
+          <a:prstGeom prst="rect">
+            <a:avLst/>
+          </a:prstGeom>
         </p:spPr>
         <p:txBody>
           <a:bodyPr vert="eaVert"/>
@@ -965,7 +984,7 @@
           <a:p>
             <a:fld id="{8DEB70C1-CC5B-40EB-866E-F70B49586701}" type="datetimeFigureOut">
               <a:rPr lang="en-US" smtClean="0"/>
-              <a:t>12/17/2016</a:t>
+              <a:t>8/1/2017</a:t>
             </a:fld>
             <a:endParaRPr lang="en-US"/>
           </a:p>
@@ -1053,10 +1072,21 @@
             <p:ph type="title"/>
           </p:nvPr>
         </p:nvSpPr>
-        <p:spPr/>
+        <p:spPr>
+          <a:xfrm>
+            <a:off x="304799" y="365125"/>
+            <a:ext cx="11662833" cy="942975"/>
+          </a:xfrm>
+        </p:spPr>
         <p:txBody>
-          <a:bodyPr/>
-          <a:lstStyle/>
+          <a:bodyPr lIns="180000">
+            <a:normAutofit/>
+          </a:bodyPr>
+          <a:lstStyle>
+            <a:lvl1pPr>
+              <a:defRPr sz="4000"/>
+            </a:lvl1pPr>
+          </a:lstStyle>
           <a:p>
             <a:r>
               <a:rPr lang="de-DE" dirty="0"/>
@@ -1135,7 +1165,7 @@
           <a:p>
             <a:fld id="{8DEB70C1-CC5B-40EB-866E-F70B49586701}" type="datetimeFigureOut">
               <a:rPr lang="en-US" smtClean="0"/>
-              <a:t>12/17/2016</a:t>
+              <a:t>8/1/2017</a:t>
             </a:fld>
             <a:endParaRPr lang="en-US"/>
           </a:p>
@@ -1228,6 +1258,9 @@
             <a:off x="831850" y="1709738"/>
             <a:ext cx="10515600" cy="2852737"/>
           </a:xfrm>
+          <a:prstGeom prst="rect">
+            <a:avLst/>
+          </a:prstGeom>
         </p:spPr>
         <p:txBody>
           <a:bodyPr anchor="b"/>
@@ -1381,7 +1414,7 @@
           <a:p>
             <a:fld id="{8DEB70C1-CC5B-40EB-866E-F70B49586701}" type="datetimeFigureOut">
               <a:rPr lang="en-US" smtClean="0"/>
-              <a:t>12/17/2016</a:t>
+              <a:t>8/1/2017</a:t>
             </a:fld>
             <a:endParaRPr lang="en-US"/>
           </a:p>
@@ -1469,7 +1502,15 @@
             <p:ph type="title"/>
           </p:nvPr>
         </p:nvSpPr>
-        <p:spPr/>
+        <p:spPr>
+          <a:xfrm>
+            <a:off x="838200" y="365125"/>
+            <a:ext cx="10515600" cy="1325563"/>
+          </a:xfrm>
+          <a:prstGeom prst="rect">
+            <a:avLst/>
+          </a:prstGeom>
+        </p:spPr>
         <p:txBody>
           <a:bodyPr/>
           <a:lstStyle/>
@@ -1613,7 +1654,7 @@
           <a:p>
             <a:fld id="{8DEB70C1-CC5B-40EB-866E-F70B49586701}" type="datetimeFigureOut">
               <a:rPr lang="en-US" smtClean="0"/>
-              <a:t>12/17/2016</a:t>
+              <a:t>8/1/2017</a:t>
             </a:fld>
             <a:endParaRPr lang="en-US"/>
           </a:p>
@@ -1706,6 +1747,9 @@
             <a:off x="839788" y="365125"/>
             <a:ext cx="10515600" cy="1325563"/>
           </a:xfrm>
+          <a:prstGeom prst="rect">
+            <a:avLst/>
+          </a:prstGeom>
         </p:spPr>
         <p:txBody>
           <a:bodyPr/>
@@ -1980,7 +2024,7 @@
           <a:p>
             <a:fld id="{8DEB70C1-CC5B-40EB-866E-F70B49586701}" type="datetimeFigureOut">
               <a:rPr lang="en-US" smtClean="0"/>
-              <a:t>12/17/2016</a:t>
+              <a:t>8/1/2017</a:t>
             </a:fld>
             <a:endParaRPr lang="en-US"/>
           </a:p>
@@ -2068,7 +2112,15 @@
             <p:ph type="title"/>
           </p:nvPr>
         </p:nvSpPr>
-        <p:spPr/>
+        <p:spPr>
+          <a:xfrm>
+            <a:off x="838200" y="365125"/>
+            <a:ext cx="10515600" cy="1325563"/>
+          </a:xfrm>
+          <a:prstGeom prst="rect">
+            <a:avLst/>
+          </a:prstGeom>
+        </p:spPr>
         <p:txBody>
           <a:bodyPr/>
           <a:lstStyle/>
@@ -2098,7 +2150,7 @@
           <a:p>
             <a:fld id="{8DEB70C1-CC5B-40EB-866E-F70B49586701}" type="datetimeFigureOut">
               <a:rPr lang="en-US" smtClean="0"/>
-              <a:t>12/17/2016</a:t>
+              <a:t>8/1/2017</a:t>
             </a:fld>
             <a:endParaRPr lang="en-US"/>
           </a:p>
@@ -2193,7 +2245,7 @@
           <a:p>
             <a:fld id="{8DEB70C1-CC5B-40EB-866E-F70B49586701}" type="datetimeFigureOut">
               <a:rPr lang="en-US" smtClean="0"/>
-              <a:t>12/17/2016</a:t>
+              <a:t>8/1/2017</a:t>
             </a:fld>
             <a:endParaRPr lang="en-US"/>
           </a:p>
@@ -2286,6 +2338,9 @@
             <a:off x="839788" y="457200"/>
             <a:ext cx="3932237" cy="1600200"/>
           </a:xfrm>
+          <a:prstGeom prst="rect">
+            <a:avLst/>
+          </a:prstGeom>
         </p:spPr>
         <p:txBody>
           <a:bodyPr anchor="b"/>
@@ -2470,7 +2525,7 @@
           <a:p>
             <a:fld id="{8DEB70C1-CC5B-40EB-866E-F70B49586701}" type="datetimeFigureOut">
               <a:rPr lang="en-US" smtClean="0"/>
-              <a:t>12/17/2016</a:t>
+              <a:t>8/1/2017</a:t>
             </a:fld>
             <a:endParaRPr lang="en-US"/>
           </a:p>
@@ -2563,6 +2618,9 @@
             <a:off x="839788" y="457200"/>
             <a:ext cx="3932237" cy="1600200"/>
           </a:xfrm>
+          <a:prstGeom prst="rect">
+            <a:avLst/>
+          </a:prstGeom>
         </p:spPr>
         <p:txBody>
           <a:bodyPr anchor="b"/>
@@ -2727,7 +2785,7 @@
           <a:p>
             <a:fld id="{8DEB70C1-CC5B-40EB-866E-F70B49586701}" type="datetimeFigureOut">
               <a:rPr lang="en-US" smtClean="0"/>
-              <a:t>12/17/2016</a:t>
+              <a:t>8/1/2017</a:t>
             </a:fld>
             <a:endParaRPr lang="en-US"/>
           </a:p>
@@ -2822,12 +2880,17 @@
         </p:nvSpPr>
         <p:spPr>
           <a:xfrm>
-            <a:off x="838200" y="365125"/>
-            <a:ext cx="10515600" cy="1325563"/>
+            <a:off x="283632" y="212725"/>
+            <a:ext cx="11645901" cy="714375"/>
           </a:xfrm>
           <a:prstGeom prst="rect">
             <a:avLst/>
           </a:prstGeom>
+          <a:solidFill>
+            <a:schemeClr val="accent6">
+              <a:lumMod val="75000"/>
+            </a:schemeClr>
+          </a:solidFill>
         </p:spPr>
         <p:txBody>
           <a:bodyPr vert="horz" lIns="91440" tIns="45720" rIns="91440" bIns="45720" rtlCol="0" anchor="ctr">
@@ -2836,7 +2899,7 @@
           <a:lstStyle/>
           <a:p>
             <a:r>
-              <a:rPr lang="de-DE"/>
+              <a:rPr lang="de-DE" dirty="0"/>
               <a:t>Titelmasterformat durch Klicken bearbeiten</a:t>
             </a:r>
             <a:endParaRPr lang="en-US" dirty="0"/>
@@ -2870,35 +2933,35 @@
           <a:p>
             <a:pPr lvl="0"/>
             <a:r>
-              <a:rPr lang="de-DE"/>
+              <a:rPr lang="de-DE" dirty="0"/>
               <a:t>Textmasterformat bearbeiten</a:t>
             </a:r>
           </a:p>
           <a:p>
             <a:pPr lvl="1"/>
             <a:r>
-              <a:rPr lang="de-DE"/>
+              <a:rPr lang="de-DE" dirty="0"/>
               <a:t>Zweite Ebene</a:t>
             </a:r>
           </a:p>
           <a:p>
             <a:pPr lvl="2"/>
             <a:r>
-              <a:rPr lang="de-DE"/>
+              <a:rPr lang="de-DE" dirty="0"/>
               <a:t>Dritte Ebene</a:t>
             </a:r>
           </a:p>
           <a:p>
             <a:pPr lvl="3"/>
             <a:r>
-              <a:rPr lang="de-DE"/>
+              <a:rPr lang="de-DE" dirty="0"/>
               <a:t>Vierte Ebene</a:t>
             </a:r>
           </a:p>
           <a:p>
             <a:pPr lvl="4"/>
             <a:r>
-              <a:rPr lang="de-DE"/>
+              <a:rPr lang="de-DE" dirty="0"/>
               <a:t>Fünfte Ebene</a:t>
             </a:r>
             <a:endParaRPr lang="en-US" dirty="0"/>
@@ -2940,7 +3003,7 @@
           <a:p>
             <a:fld id="{8DEB70C1-CC5B-40EB-866E-F70B49586701}" type="datetimeFigureOut">
               <a:rPr lang="en-US" smtClean="0"/>
-              <a:t>12/17/2016</a:t>
+              <a:t>8/1/2017</a:t>
             </a:fld>
             <a:endParaRPr lang="en-US"/>
           </a:p>
@@ -3055,9 +3118,9 @@
           <a:spcPct val="0"/>
         </a:spcBef>
         <a:buNone/>
-        <a:defRPr sz="4400" kern="1200">
+        <a:defRPr sz="4000" b="1" kern="1200">
           <a:solidFill>
-            <a:schemeClr val="tx1"/>
+            <a:schemeClr val="bg1"/>
           </a:solidFill>
           <a:latin typeface="+mj-lt"/>
           <a:ea typeface="+mj-ea"/>
@@ -3347,86 +3410,13 @@
       </p:grpSpPr>
       <p:sp>
         <p:nvSpPr>
-          <p:cNvPr id="2" name="Titel 1"/>
-          <p:cNvSpPr>
-            <a:spLocks noGrp="1"/>
-          </p:cNvSpPr>
-          <p:nvPr>
-            <p:ph type="ctrTitle"/>
-          </p:nvPr>
-        </p:nvSpPr>
-        <p:spPr>
-          <a:xfrm>
-            <a:off x="1473200" y="722313"/>
-            <a:ext cx="9144000" cy="2387600"/>
-          </a:xfrm>
-        </p:spPr>
-        <p:txBody>
-          <a:bodyPr>
-            <a:normAutofit/>
-          </a:bodyPr>
-          <a:lstStyle/>
-          <a:p>
-            <a:r>
-              <a:rPr lang="en-US" sz="8000" b="1" dirty="0" err="1"/>
-              <a:t>yass</a:t>
-            </a:r>
-            <a:br>
-              <a:rPr lang="en-US" sz="8000" dirty="0"/>
-            </a:br>
-            <a:r>
-              <a:rPr lang="en-US" sz="3200" dirty="0"/>
-              <a:t> </a:t>
-            </a:r>
-            <a:br>
-              <a:rPr lang="en-US" sz="8000" dirty="0"/>
-            </a:br>
-            <a:r>
-              <a:rPr lang="en-US" sz="5400" b="1" dirty="0"/>
-              <a:t>Yet Another Service Solution</a:t>
-            </a:r>
-          </a:p>
-        </p:txBody>
-      </p:sp>
-    </p:spTree>
-    <p:extLst>
-      <p:ext uri="{BB962C8B-B14F-4D97-AF65-F5344CB8AC3E}">
-        <p14:creationId xmlns:p14="http://schemas.microsoft.com/office/powerpoint/2010/main" val="3768192623"/>
-      </p:ext>
-    </p:extLst>
-  </p:cSld>
-  <p:clrMapOvr>
-    <a:masterClrMapping/>
-  </p:clrMapOvr>
-</p:sld>
-</file>
-
-<file path=ppt/slides/slide2.xml><?xml version="1.0" encoding="utf-8"?>
-<p:sld xmlns:a="http://schemas.openxmlformats.org/drawingml/2006/main" xmlns:r="http://schemas.openxmlformats.org/officeDocument/2006/relationships" xmlns:p="http://schemas.openxmlformats.org/presentationml/2006/main">
-  <p:cSld>
-    <p:spTree>
-      <p:nvGrpSpPr>
-        <p:cNvPr id="1" name=""/>
-        <p:cNvGrpSpPr/>
-        <p:nvPr/>
-      </p:nvGrpSpPr>
-      <p:grpSpPr>
-        <a:xfrm>
-          <a:off x="0" y="0"/>
-          <a:ext cx="0" cy="0"/>
-          <a:chOff x="0" y="0"/>
-          <a:chExt cx="0" cy="0"/>
-        </a:xfrm>
-      </p:grpSpPr>
-      <p:sp>
-        <p:nvSpPr>
           <p:cNvPr id="21" name="Abgerundetes Rechteck 20"/>
           <p:cNvSpPr/>
           <p:nvPr/>
         </p:nvSpPr>
         <p:spPr>
           <a:xfrm>
-            <a:off x="9432927" y="1653565"/>
+            <a:off x="9432927" y="1767863"/>
             <a:ext cx="1797050" cy="1576933"/>
           </a:xfrm>
           <a:prstGeom prst="roundRect">
@@ -3474,7 +3464,7 @@
         </p:nvSpPr>
         <p:spPr>
           <a:xfrm>
-            <a:off x="9346787" y="1574051"/>
+            <a:off x="9346787" y="1688349"/>
             <a:ext cx="1797050" cy="1576933"/>
           </a:xfrm>
           <a:prstGeom prst="roundRect">
@@ -3522,7 +3512,7 @@
         </p:nvSpPr>
         <p:spPr>
           <a:xfrm>
-            <a:off x="9247395" y="1474659"/>
+            <a:off x="9247395" y="1588957"/>
             <a:ext cx="1797050" cy="1576933"/>
           </a:xfrm>
           <a:prstGeom prst="roundRect">
@@ -3574,8 +3564,8 @@
         </p:nvSpPr>
         <p:spPr>
           <a:xfrm>
-            <a:off x="478080" y="165917"/>
-            <a:ext cx="10515600" cy="687633"/>
+            <a:off x="397282" y="165917"/>
+            <a:ext cx="11307037" cy="687633"/>
           </a:xfrm>
         </p:spPr>
         <p:txBody>
@@ -3590,7 +3580,11 @@
             </a:r>
             <a:r>
               <a:rPr lang="en-US" sz="3200" b="1" dirty="0"/>
-              <a:t> ?</a:t>
+              <a:t> ?   </a:t>
+            </a:r>
+            <a:r>
+              <a:rPr lang="en-US" sz="2000" b="1" dirty="0"/>
+              <a:t>Yet Another Service Solution</a:t>
             </a:r>
             <a:endParaRPr lang="en-US" sz="1800" b="1" dirty="0"/>
           </a:p>
@@ -3604,7 +3598,7 @@
         </p:nvSpPr>
         <p:spPr>
           <a:xfrm>
-            <a:off x="9310673" y="822494"/>
+            <a:off x="9310673" y="936792"/>
             <a:ext cx="1699572" cy="646331"/>
           </a:xfrm>
           <a:prstGeom prst="rect">
@@ -3700,39 +3694,43 @@
             </a:r>
             <a:r>
               <a:rPr lang="en-US" dirty="0"/>
-              <a:t> peer-to-peer communication</a:t>
+              <a:t> peer-to-peer communication (</a:t>
+            </a:r>
+            <a:r>
+              <a:rPr lang="en-US" dirty="0" err="1"/>
+              <a:t>FastSerializer</a:t>
+            </a:r>
+            <a:r>
+              <a:rPr lang="en-US" dirty="0"/>
+              <a:t>)</a:t>
             </a:r>
           </a:p>
           <a:p>
             <a:pPr lvl="1"/>
             <a:r>
               <a:rPr lang="en-US" dirty="0"/>
-              <a:t>Java (3000 LOC, 150KB jar)</a:t>
-            </a:r>
-          </a:p>
-          <a:p>
-            <a:pPr lvl="1"/>
-            <a:r>
-              <a:rPr lang="en-US" dirty="0" err="1"/>
-              <a:t>TypeScript</a:t>
-            </a:r>
-            <a:r>
-              <a:rPr lang="en-US" dirty="0"/>
-              <a:t> (800 LOC)</a:t>
+              <a:t>Java (3500 LOC, 150KB jar)</a:t>
             </a:r>
           </a:p>
           <a:p>
             <a:pPr lvl="1"/>
             <a:r>
               <a:rPr lang="en-US" dirty="0"/>
-              <a:t>Python</a:t>
+              <a:t>TypeScript (900 LOC)</a:t>
             </a:r>
           </a:p>
           <a:p>
             <a:pPr lvl="1"/>
             <a:r>
               <a:rPr lang="en-US" dirty="0"/>
-              <a:t>high throughput, low latency, low CPU requirement</a:t>
+              <a:t>Python 2 &amp; 3 (with support for type hints, 700 LOC)</a:t>
+            </a:r>
+          </a:p>
+          <a:p>
+            <a:pPr lvl="1"/>
+            <a:r>
+              <a:rPr lang="en-US" dirty="0"/>
+              <a:t>high throughput, low latency, reactive services</a:t>
             </a:r>
           </a:p>
           <a:p>
@@ -3829,34 +3827,6 @@
               </a:rPr>
               <a:t>ch.softappeal.yass</a:t>
             </a:r>
-            <a:r>
-              <a:rPr lang="en-US" dirty="0"/>
-              <a:t>, </a:t>
-            </a:r>
-            <a:r>
-              <a:rPr lang="en-US" dirty="0" err="1">
-                <a:solidFill>
-                  <a:srgbClr val="C00000"/>
-                </a:solidFill>
-              </a:rPr>
-              <a:t>artifactId</a:t>
-            </a:r>
-            <a:r>
-              <a:rPr lang="en-US" dirty="0">
-                <a:solidFill>
-                  <a:srgbClr val="C00000"/>
-                </a:solidFill>
-              </a:rPr>
-              <a:t>=</a:t>
-            </a:r>
-            <a:r>
-              <a:rPr lang="en-US" dirty="0" err="1">
-                <a:solidFill>
-                  <a:srgbClr val="C00000"/>
-                </a:solidFill>
-              </a:rPr>
-              <a:t>yass</a:t>
-            </a:r>
             <a:endParaRPr lang="en-US" dirty="0">
               <a:solidFill>
                 <a:srgbClr val="C00000"/>
@@ -3873,7 +3843,7 @@
         </p:nvSpPr>
         <p:spPr>
           <a:xfrm>
-            <a:off x="9437895" y="1629074"/>
+            <a:off x="9437895" y="1743372"/>
             <a:ext cx="1416050" cy="560784"/>
           </a:xfrm>
           <a:prstGeom prst="roundRect">
@@ -3931,7 +3901,7 @@
         </p:nvSpPr>
         <p:spPr>
           <a:xfrm>
-            <a:off x="9437895" y="2279392"/>
+            <a:off x="9437895" y="2393690"/>
             <a:ext cx="1416050" cy="264200"/>
           </a:xfrm>
           <a:prstGeom prst="roundRect">
@@ -3982,7 +3952,7 @@
         </p:nvSpPr>
         <p:spPr>
           <a:xfrm>
-            <a:off x="9437895" y="2618442"/>
+            <a:off x="9437895" y="2732740"/>
             <a:ext cx="1416050" cy="268050"/>
           </a:xfrm>
           <a:prstGeom prst="roundRect">
@@ -4034,7 +4004,7 @@
         </p:nvSpPr>
         <p:spPr>
           <a:xfrm>
-            <a:off x="9313435" y="5939759"/>
+            <a:off x="9313435" y="6054057"/>
             <a:ext cx="1715221" cy="646331"/>
           </a:xfrm>
           <a:prstGeom prst="rect">
@@ -4087,7 +4057,7 @@
         </p:nvSpPr>
         <p:spPr>
           <a:xfrm>
-            <a:off x="9247395" y="4351158"/>
+            <a:off x="9247395" y="4465456"/>
             <a:ext cx="1797050" cy="1576933"/>
           </a:xfrm>
           <a:prstGeom prst="roundRect">
@@ -4135,7 +4105,7 @@
         </p:nvSpPr>
         <p:spPr>
           <a:xfrm>
-            <a:off x="9412494" y="5251716"/>
+            <a:off x="9412494" y="5366014"/>
             <a:ext cx="1416050" cy="560784"/>
           </a:xfrm>
           <a:prstGeom prst="roundRect">
@@ -4193,7 +4163,7 @@
         </p:nvSpPr>
         <p:spPr>
           <a:xfrm>
-            <a:off x="9437895" y="4901891"/>
+            <a:off x="9437895" y="5016189"/>
             <a:ext cx="1416050" cy="264200"/>
           </a:xfrm>
           <a:prstGeom prst="roundRect">
@@ -4244,7 +4214,7 @@
         </p:nvSpPr>
         <p:spPr>
           <a:xfrm>
-            <a:off x="9437895" y="4523391"/>
+            <a:off x="9437895" y="4637689"/>
             <a:ext cx="1416050" cy="268050"/>
           </a:xfrm>
           <a:prstGeom prst="roundRect">
@@ -4296,7 +4266,7 @@
         </p:nvSpPr>
         <p:spPr>
           <a:xfrm>
-            <a:off x="9631569" y="3525440"/>
+            <a:off x="9631569" y="3639738"/>
             <a:ext cx="977900" cy="822265"/>
           </a:xfrm>
           <a:prstGeom prst="downArrow">
@@ -4345,7 +4315,7 @@
         </p:nvSpPr>
         <p:spPr>
           <a:xfrm flipV="1">
-            <a:off x="9631209" y="3053997"/>
+            <a:off x="9631209" y="3168295"/>
             <a:ext cx="977900" cy="822265"/>
           </a:xfrm>
           <a:prstGeom prst="downArrow">
@@ -4394,7 +4364,7 @@
         </p:nvGrpSpPr>
         <p:grpSpPr>
           <a:xfrm>
-            <a:off x="9986335" y="3212475"/>
+            <a:off x="9986335" y="3326773"/>
             <a:ext cx="1486375" cy="984967"/>
             <a:chOff x="9986335" y="3212475"/>
             <a:chExt cx="1486375" cy="984967"/>
@@ -5359,7 +5329,7 @@
 </p:sld>
 </file>
 
-<file path=ppt/slides/slide3.xml><?xml version="1.0" encoding="utf-8"?>
+<file path=ppt/slides/slide2.xml><?xml version="1.0" encoding="utf-8"?>
 <p:sld xmlns:a="http://schemas.openxmlformats.org/drawingml/2006/main" xmlns:r="http://schemas.openxmlformats.org/officeDocument/2006/relationships" xmlns:p="http://schemas.openxmlformats.org/presentationml/2006/main">
   <p:cSld>
     <p:spTree>
@@ -5388,12 +5358,12 @@
         </p:nvSpPr>
         <p:spPr>
           <a:xfrm>
-            <a:off x="567531" y="165917"/>
-            <a:ext cx="10515600" cy="687633"/>
+            <a:off x="336747" y="165917"/>
+            <a:ext cx="11498201" cy="687633"/>
           </a:xfrm>
         </p:spPr>
         <p:txBody>
-          <a:bodyPr>
+          <a:bodyPr lIns="180000">
             <a:normAutofit/>
           </a:bodyPr>
           <a:lstStyle/>
@@ -5406,743 +5376,6 @@
           </a:p>
         </p:txBody>
       </p:sp>
-      <p:grpSp>
-        <p:nvGrpSpPr>
-          <p:cNvPr id="4" name="Gruppieren 3"/>
-          <p:cNvGrpSpPr/>
-          <p:nvPr/>
-        </p:nvGrpSpPr>
-        <p:grpSpPr>
-          <a:xfrm>
-            <a:off x="672195" y="1232894"/>
-            <a:ext cx="2225315" cy="5212997"/>
-            <a:chOff x="672195" y="1232894"/>
-            <a:chExt cx="2225315" cy="5212997"/>
-          </a:xfrm>
-        </p:grpSpPr>
-        <p:sp>
-          <p:nvSpPr>
-            <p:cNvPr id="9" name="Abgerundetes Rechteck 8"/>
-            <p:cNvSpPr/>
-            <p:nvPr/>
-          </p:nvSpPr>
-          <p:spPr>
-            <a:xfrm>
-              <a:off x="672195" y="1611459"/>
-              <a:ext cx="1797050" cy="1576933"/>
-            </a:xfrm>
-            <a:prstGeom prst="roundRect">
-              <a:avLst/>
-            </a:prstGeom>
-            <a:solidFill>
-              <a:schemeClr val="bg1">
-                <a:lumMod val="65000"/>
-              </a:schemeClr>
-            </a:solidFill>
-            <a:ln>
-              <a:noFill/>
-            </a:ln>
-          </p:spPr>
-          <p:style>
-            <a:lnRef idx="2">
-              <a:schemeClr val="accent1">
-                <a:shade val="50000"/>
-              </a:schemeClr>
-            </a:lnRef>
-            <a:fillRef idx="1">
-              <a:schemeClr val="accent1"/>
-            </a:fillRef>
-            <a:effectRef idx="0">
-              <a:schemeClr val="accent1"/>
-            </a:effectRef>
-            <a:fontRef idx="minor">
-              <a:schemeClr val="lt1"/>
-            </a:fontRef>
-          </p:style>
-          <p:txBody>
-            <a:bodyPr rtlCol="0" anchor="ctr"/>
-            <a:lstStyle/>
-            <a:p>
-              <a:pPr algn="ctr"/>
-              <a:endParaRPr lang="en-US"/>
-            </a:p>
-          </p:txBody>
-        </p:sp>
-        <p:sp>
-          <p:nvSpPr>
-            <p:cNvPr id="10" name="Rechteck 9"/>
-            <p:cNvSpPr/>
-            <p:nvPr/>
-          </p:nvSpPr>
-          <p:spPr>
-            <a:xfrm>
-              <a:off x="735473" y="1232894"/>
-              <a:ext cx="1699572" cy="369332"/>
-            </a:xfrm>
-            <a:prstGeom prst="rect">
-              <a:avLst/>
-            </a:prstGeom>
-            <a:solidFill>
-              <a:schemeClr val="bg1"/>
-            </a:solidFill>
-          </p:spPr>
-          <p:txBody>
-            <a:bodyPr wrap="square">
-              <a:spAutoFit/>
-            </a:bodyPr>
-            <a:lstStyle/>
-            <a:p>
-              <a:pPr algn="ctr"/>
-              <a:r>
-                <a:rPr lang="en-US" dirty="0">
-                  <a:solidFill>
-                    <a:schemeClr val="bg1">
-                      <a:lumMod val="50000"/>
-                    </a:schemeClr>
-                  </a:solidFill>
-                  <a:cs typeface="Consolas" panose="020B0609020204030204" pitchFamily="49" charset="0"/>
-                </a:rPr>
-                <a:t>client process</a:t>
-              </a:r>
-            </a:p>
-          </p:txBody>
-        </p:sp>
-        <p:sp>
-          <p:nvSpPr>
-            <p:cNvPr id="11" name="Abgerundetes Rechteck 10"/>
-            <p:cNvSpPr/>
-            <p:nvPr/>
-          </p:nvSpPr>
-          <p:spPr>
-            <a:xfrm>
-              <a:off x="862695" y="1765874"/>
-              <a:ext cx="1416050" cy="560784"/>
-            </a:xfrm>
-            <a:prstGeom prst="roundRect">
-              <a:avLst/>
-            </a:prstGeom>
-            <a:solidFill>
-              <a:schemeClr val="accent1">
-                <a:lumMod val="75000"/>
-              </a:schemeClr>
-            </a:solidFill>
-            <a:ln>
-              <a:noFill/>
-            </a:ln>
-          </p:spPr>
-          <p:style>
-            <a:lnRef idx="2">
-              <a:schemeClr val="accent1">
-                <a:shade val="50000"/>
-              </a:schemeClr>
-            </a:lnRef>
-            <a:fillRef idx="1">
-              <a:schemeClr val="accent1"/>
-            </a:fillRef>
-            <a:effectRef idx="0">
-              <a:schemeClr val="accent1"/>
-            </a:effectRef>
-            <a:fontRef idx="minor">
-              <a:schemeClr val="lt1"/>
-            </a:fontRef>
-          </p:style>
-          <p:txBody>
-            <a:bodyPr rtlCol="0" anchor="ctr"/>
-            <a:lstStyle/>
-            <a:p>
-              <a:pPr algn="ctr"/>
-              <a:r>
-                <a:rPr lang="en-US" sz="1600" dirty="0"/>
-                <a:t>Client</a:t>
-              </a:r>
-            </a:p>
-            <a:p>
-              <a:pPr algn="ctr"/>
-              <a:r>
-                <a:rPr lang="en-US" sz="1600" dirty="0"/>
-                <a:t>Application</a:t>
-              </a:r>
-            </a:p>
-          </p:txBody>
-        </p:sp>
-        <p:sp>
-          <p:nvSpPr>
-            <p:cNvPr id="12" name="Abgerundetes Rechteck 11"/>
-            <p:cNvSpPr/>
-            <p:nvPr/>
-          </p:nvSpPr>
-          <p:spPr>
-            <a:xfrm>
-              <a:off x="862695" y="2416192"/>
-              <a:ext cx="1416050" cy="264200"/>
-            </a:xfrm>
-            <a:prstGeom prst="roundRect">
-              <a:avLst/>
-            </a:prstGeom>
-            <a:solidFill>
-              <a:schemeClr val="accent6">
-                <a:lumMod val="75000"/>
-              </a:schemeClr>
-            </a:solidFill>
-            <a:ln>
-              <a:noFill/>
-            </a:ln>
-          </p:spPr>
-          <p:style>
-            <a:lnRef idx="2">
-              <a:schemeClr val="accent1">
-                <a:shade val="50000"/>
-              </a:schemeClr>
-            </a:lnRef>
-            <a:fillRef idx="1">
-              <a:schemeClr val="accent1"/>
-            </a:fillRef>
-            <a:effectRef idx="0">
-              <a:schemeClr val="accent1"/>
-            </a:effectRef>
-            <a:fontRef idx="minor">
-              <a:schemeClr val="lt1"/>
-            </a:fontRef>
-          </p:style>
-          <p:txBody>
-            <a:bodyPr rtlCol="0" anchor="ctr"/>
-            <a:lstStyle/>
-            <a:p>
-              <a:pPr algn="ctr"/>
-              <a:r>
-                <a:rPr lang="en-US" sz="1600" dirty="0"/>
-                <a:t>Contract</a:t>
-              </a:r>
-            </a:p>
-          </p:txBody>
-        </p:sp>
-        <p:sp>
-          <p:nvSpPr>
-            <p:cNvPr id="13" name="Abgerundetes Rechteck 12"/>
-            <p:cNvSpPr/>
-            <p:nvPr/>
-          </p:nvSpPr>
-          <p:spPr>
-            <a:xfrm>
-              <a:off x="862695" y="2755242"/>
-              <a:ext cx="1416050" cy="268050"/>
-            </a:xfrm>
-            <a:prstGeom prst="roundRect">
-              <a:avLst/>
-            </a:prstGeom>
-            <a:solidFill>
-              <a:schemeClr val="accent4">
-                <a:lumMod val="75000"/>
-              </a:schemeClr>
-            </a:solidFill>
-            <a:ln>
-              <a:noFill/>
-            </a:ln>
-          </p:spPr>
-          <p:style>
-            <a:lnRef idx="2">
-              <a:schemeClr val="accent1">
-                <a:shade val="50000"/>
-              </a:schemeClr>
-            </a:lnRef>
-            <a:fillRef idx="1">
-              <a:schemeClr val="accent1"/>
-            </a:fillRef>
-            <a:effectRef idx="0">
-              <a:schemeClr val="accent1"/>
-            </a:effectRef>
-            <a:fontRef idx="minor">
-              <a:schemeClr val="lt1"/>
-            </a:fontRef>
-          </p:style>
-          <p:txBody>
-            <a:bodyPr rtlCol="0" anchor="ctr"/>
-            <a:lstStyle/>
-            <a:p>
-              <a:pPr algn="ctr"/>
-              <a:r>
-                <a:rPr lang="en-US" sz="1600" dirty="0" err="1"/>
-                <a:t>yass</a:t>
-              </a:r>
-              <a:endParaRPr lang="en-US" sz="1600" dirty="0"/>
-            </a:p>
-          </p:txBody>
-        </p:sp>
-        <p:sp>
-          <p:nvSpPr>
-            <p:cNvPr id="14" name="Rechteck 13"/>
-            <p:cNvSpPr/>
-            <p:nvPr/>
-          </p:nvSpPr>
-          <p:spPr>
-            <a:xfrm>
-              <a:off x="738235" y="6076559"/>
-              <a:ext cx="1715221" cy="369332"/>
-            </a:xfrm>
-            <a:prstGeom prst="rect">
-              <a:avLst/>
-            </a:prstGeom>
-            <a:solidFill>
-              <a:schemeClr val="bg1"/>
-            </a:solidFill>
-          </p:spPr>
-          <p:txBody>
-            <a:bodyPr wrap="square">
-              <a:spAutoFit/>
-            </a:bodyPr>
-            <a:lstStyle/>
-            <a:p>
-              <a:pPr algn="ctr"/>
-              <a:r>
-                <a:rPr lang="en-US" dirty="0">
-                  <a:solidFill>
-                    <a:schemeClr val="bg1">
-                      <a:lumMod val="50000"/>
-                    </a:schemeClr>
-                  </a:solidFill>
-                  <a:cs typeface="Consolas" panose="020B0609020204030204" pitchFamily="49" charset="0"/>
-                </a:rPr>
-                <a:t>server process</a:t>
-              </a:r>
-            </a:p>
-          </p:txBody>
-        </p:sp>
-        <p:sp>
-          <p:nvSpPr>
-            <p:cNvPr id="15" name="Abgerundetes Rechteck 14"/>
-            <p:cNvSpPr/>
-            <p:nvPr/>
-          </p:nvSpPr>
-          <p:spPr>
-            <a:xfrm>
-              <a:off x="672195" y="4487958"/>
-              <a:ext cx="1797050" cy="1576933"/>
-            </a:xfrm>
-            <a:prstGeom prst="roundRect">
-              <a:avLst/>
-            </a:prstGeom>
-            <a:solidFill>
-              <a:schemeClr val="bg1">
-                <a:lumMod val="65000"/>
-              </a:schemeClr>
-            </a:solidFill>
-            <a:ln>
-              <a:noFill/>
-            </a:ln>
-          </p:spPr>
-          <p:style>
-            <a:lnRef idx="2">
-              <a:schemeClr val="accent1">
-                <a:shade val="50000"/>
-              </a:schemeClr>
-            </a:lnRef>
-            <a:fillRef idx="1">
-              <a:schemeClr val="accent1"/>
-            </a:fillRef>
-            <a:effectRef idx="0">
-              <a:schemeClr val="accent1"/>
-            </a:effectRef>
-            <a:fontRef idx="minor">
-              <a:schemeClr val="lt1"/>
-            </a:fontRef>
-          </p:style>
-          <p:txBody>
-            <a:bodyPr rtlCol="0" anchor="ctr"/>
-            <a:lstStyle/>
-            <a:p>
-              <a:pPr algn="ctr"/>
-              <a:endParaRPr lang="en-US"/>
-            </a:p>
-          </p:txBody>
-        </p:sp>
-        <p:sp>
-          <p:nvSpPr>
-            <p:cNvPr id="16" name="Abgerundetes Rechteck 15"/>
-            <p:cNvSpPr/>
-            <p:nvPr/>
-          </p:nvSpPr>
-          <p:spPr>
-            <a:xfrm>
-              <a:off x="837294" y="5388516"/>
-              <a:ext cx="1416050" cy="560784"/>
-            </a:xfrm>
-            <a:prstGeom prst="roundRect">
-              <a:avLst/>
-            </a:prstGeom>
-            <a:solidFill>
-              <a:schemeClr val="accent1">
-                <a:lumMod val="75000"/>
-              </a:schemeClr>
-            </a:solidFill>
-            <a:ln>
-              <a:noFill/>
-            </a:ln>
-          </p:spPr>
-          <p:style>
-            <a:lnRef idx="2">
-              <a:schemeClr val="accent1">
-                <a:shade val="50000"/>
-              </a:schemeClr>
-            </a:lnRef>
-            <a:fillRef idx="1">
-              <a:schemeClr val="accent1"/>
-            </a:fillRef>
-            <a:effectRef idx="0">
-              <a:schemeClr val="accent1"/>
-            </a:effectRef>
-            <a:fontRef idx="minor">
-              <a:schemeClr val="lt1"/>
-            </a:fontRef>
-          </p:style>
-          <p:txBody>
-            <a:bodyPr rtlCol="0" anchor="ctr"/>
-            <a:lstStyle/>
-            <a:p>
-              <a:pPr algn="ctr"/>
-              <a:r>
-                <a:rPr lang="en-US" sz="1600" dirty="0"/>
-                <a:t>Server</a:t>
-              </a:r>
-            </a:p>
-            <a:p>
-              <a:pPr algn="ctr"/>
-              <a:r>
-                <a:rPr lang="en-US" sz="1600" dirty="0"/>
-                <a:t>Application</a:t>
-              </a:r>
-            </a:p>
-          </p:txBody>
-        </p:sp>
-        <p:sp>
-          <p:nvSpPr>
-            <p:cNvPr id="17" name="Abgerundetes Rechteck 16"/>
-            <p:cNvSpPr/>
-            <p:nvPr/>
-          </p:nvSpPr>
-          <p:spPr>
-            <a:xfrm>
-              <a:off x="862695" y="5038691"/>
-              <a:ext cx="1416050" cy="264200"/>
-            </a:xfrm>
-            <a:prstGeom prst="roundRect">
-              <a:avLst/>
-            </a:prstGeom>
-            <a:solidFill>
-              <a:schemeClr val="accent6">
-                <a:lumMod val="75000"/>
-              </a:schemeClr>
-            </a:solidFill>
-            <a:ln>
-              <a:noFill/>
-            </a:ln>
-          </p:spPr>
-          <p:style>
-            <a:lnRef idx="2">
-              <a:schemeClr val="accent1">
-                <a:shade val="50000"/>
-              </a:schemeClr>
-            </a:lnRef>
-            <a:fillRef idx="1">
-              <a:schemeClr val="accent1"/>
-            </a:fillRef>
-            <a:effectRef idx="0">
-              <a:schemeClr val="accent1"/>
-            </a:effectRef>
-            <a:fontRef idx="minor">
-              <a:schemeClr val="lt1"/>
-            </a:fontRef>
-          </p:style>
-          <p:txBody>
-            <a:bodyPr rtlCol="0" anchor="ctr"/>
-            <a:lstStyle/>
-            <a:p>
-              <a:pPr algn="ctr"/>
-              <a:r>
-                <a:rPr lang="en-US" sz="1600" dirty="0"/>
-                <a:t>Contract</a:t>
-              </a:r>
-            </a:p>
-          </p:txBody>
-        </p:sp>
-        <p:sp>
-          <p:nvSpPr>
-            <p:cNvPr id="18" name="Abgerundetes Rechteck 17"/>
-            <p:cNvSpPr/>
-            <p:nvPr/>
-          </p:nvSpPr>
-          <p:spPr>
-            <a:xfrm>
-              <a:off x="862695" y="4660191"/>
-              <a:ext cx="1416050" cy="268050"/>
-            </a:xfrm>
-            <a:prstGeom prst="roundRect">
-              <a:avLst/>
-            </a:prstGeom>
-            <a:solidFill>
-              <a:schemeClr val="accent4">
-                <a:lumMod val="75000"/>
-              </a:schemeClr>
-            </a:solidFill>
-            <a:ln>
-              <a:noFill/>
-            </a:ln>
-          </p:spPr>
-          <p:style>
-            <a:lnRef idx="2">
-              <a:schemeClr val="accent1">
-                <a:shade val="50000"/>
-              </a:schemeClr>
-            </a:lnRef>
-            <a:fillRef idx="1">
-              <a:schemeClr val="accent1"/>
-            </a:fillRef>
-            <a:effectRef idx="0">
-              <a:schemeClr val="accent1"/>
-            </a:effectRef>
-            <a:fontRef idx="minor">
-              <a:schemeClr val="lt1"/>
-            </a:fontRef>
-          </p:style>
-          <p:txBody>
-            <a:bodyPr rtlCol="0" anchor="ctr"/>
-            <a:lstStyle/>
-            <a:p>
-              <a:pPr algn="ctr"/>
-              <a:r>
-                <a:rPr lang="en-US" sz="1600" dirty="0" err="1"/>
-                <a:t>yass</a:t>
-              </a:r>
-              <a:endParaRPr lang="en-US" sz="1600" dirty="0"/>
-            </a:p>
-          </p:txBody>
-        </p:sp>
-        <p:sp>
-          <p:nvSpPr>
-            <p:cNvPr id="19" name="Pfeil nach unten 18"/>
-            <p:cNvSpPr/>
-            <p:nvPr/>
-          </p:nvSpPr>
-          <p:spPr>
-            <a:xfrm>
-              <a:off x="1056369" y="3662240"/>
-              <a:ext cx="977900" cy="822265"/>
-            </a:xfrm>
-            <a:prstGeom prst="downArrow">
-              <a:avLst/>
-            </a:prstGeom>
-            <a:solidFill>
-              <a:schemeClr val="accent4">
-                <a:lumMod val="40000"/>
-                <a:lumOff val="60000"/>
-              </a:schemeClr>
-            </a:solidFill>
-            <a:ln>
-              <a:noFill/>
-            </a:ln>
-          </p:spPr>
-          <p:style>
-            <a:lnRef idx="2">
-              <a:schemeClr val="accent1">
-                <a:shade val="50000"/>
-              </a:schemeClr>
-            </a:lnRef>
-            <a:fillRef idx="1">
-              <a:schemeClr val="accent1"/>
-            </a:fillRef>
-            <a:effectRef idx="0">
-              <a:schemeClr val="accent1"/>
-            </a:effectRef>
-            <a:fontRef idx="minor">
-              <a:schemeClr val="lt1"/>
-            </a:fontRef>
-          </p:style>
-          <p:txBody>
-            <a:bodyPr rtlCol="0" anchor="ctr"/>
-            <a:lstStyle/>
-            <a:p>
-              <a:pPr algn="ctr"/>
-              <a:endParaRPr lang="en-US"/>
-            </a:p>
-          </p:txBody>
-        </p:sp>
-        <p:sp>
-          <p:nvSpPr>
-            <p:cNvPr id="20" name="Pfeil nach unten 19"/>
-            <p:cNvSpPr/>
-            <p:nvPr/>
-          </p:nvSpPr>
-          <p:spPr>
-            <a:xfrm flipV="1">
-              <a:off x="1056009" y="3190797"/>
-              <a:ext cx="977900" cy="822265"/>
-            </a:xfrm>
-            <a:prstGeom prst="downArrow">
-              <a:avLst/>
-            </a:prstGeom>
-            <a:solidFill>
-              <a:schemeClr val="accent4">
-                <a:lumMod val="40000"/>
-                <a:lumOff val="60000"/>
-              </a:schemeClr>
-            </a:solidFill>
-            <a:ln>
-              <a:noFill/>
-            </a:ln>
-          </p:spPr>
-          <p:style>
-            <a:lnRef idx="2">
-              <a:schemeClr val="accent1">
-                <a:shade val="50000"/>
-              </a:schemeClr>
-            </a:lnRef>
-            <a:fillRef idx="1">
-              <a:schemeClr val="accent1"/>
-            </a:fillRef>
-            <a:effectRef idx="0">
-              <a:schemeClr val="accent1"/>
-            </a:effectRef>
-            <a:fontRef idx="minor">
-              <a:schemeClr val="lt1"/>
-            </a:fontRef>
-          </p:style>
-          <p:txBody>
-            <a:bodyPr rtlCol="0" anchor="ctr"/>
-            <a:lstStyle/>
-            <a:p>
-              <a:pPr algn="ctr"/>
-              <a:endParaRPr lang="en-US"/>
-            </a:p>
-          </p:txBody>
-        </p:sp>
-        <p:pic>
-          <p:nvPicPr>
-            <p:cNvPr id="21" name="Grafik 20"/>
-            <p:cNvPicPr>
-              <a:picLocks noChangeAspect="1"/>
-            </p:cNvPicPr>
-            <p:nvPr/>
-          </p:nvPicPr>
-          <p:blipFill>
-            <a:blip r:embed="rId2">
-              <a:extLst>
-                <a:ext uri="{28A0092B-C50C-407E-A947-70E740481C1C}">
-                  <a14:useLocalDpi xmlns:a14="http://schemas.microsoft.com/office/drawing/2010/main" val="0"/>
-                </a:ext>
-              </a:extLst>
-            </a:blip>
-            <a:stretch>
-              <a:fillRect/>
-            </a:stretch>
-          </p:blipFill>
-          <p:spPr>
-            <a:xfrm>
-              <a:off x="1414310" y="3349275"/>
-              <a:ext cx="264180" cy="264180"/>
-            </a:xfrm>
-            <a:prstGeom prst="rect">
-              <a:avLst/>
-            </a:prstGeom>
-          </p:spPr>
-        </p:pic>
-        <p:pic>
-          <p:nvPicPr>
-            <p:cNvPr id="22" name="Grafik 21"/>
-            <p:cNvPicPr>
-              <a:picLocks noChangeAspect="1"/>
-            </p:cNvPicPr>
-            <p:nvPr/>
-          </p:nvPicPr>
-          <p:blipFill>
-            <a:blip r:embed="rId2">
-              <a:extLst>
-                <a:ext uri="{28A0092B-C50C-407E-A947-70E740481C1C}">
-                  <a14:useLocalDpi xmlns:a14="http://schemas.microsoft.com/office/drawing/2010/main" val="0"/>
-                </a:ext>
-              </a:extLst>
-            </a:blip>
-            <a:stretch>
-              <a:fillRect/>
-            </a:stretch>
-          </p:blipFill>
-          <p:spPr>
-            <a:xfrm>
-              <a:off x="1411135" y="3691191"/>
-              <a:ext cx="264180" cy="264180"/>
-            </a:xfrm>
-            <a:prstGeom prst="rect">
-              <a:avLst/>
-            </a:prstGeom>
-          </p:spPr>
-        </p:pic>
-        <p:pic>
-          <p:nvPicPr>
-            <p:cNvPr id="23" name="Grafik 22"/>
-            <p:cNvPicPr>
-              <a:picLocks noChangeAspect="1"/>
-            </p:cNvPicPr>
-            <p:nvPr/>
-          </p:nvPicPr>
-          <p:blipFill>
-            <a:blip r:embed="rId2">
-              <a:extLst>
-                <a:ext uri="{28A0092B-C50C-407E-A947-70E740481C1C}">
-                  <a14:useLocalDpi xmlns:a14="http://schemas.microsoft.com/office/drawing/2010/main" val="0"/>
-                </a:ext>
-              </a:extLst>
-            </a:blip>
-            <a:stretch>
-              <a:fillRect/>
-            </a:stretch>
-          </p:blipFill>
-          <p:spPr>
-            <a:xfrm>
-              <a:off x="1414130" y="4070062"/>
-              <a:ext cx="264180" cy="264180"/>
-            </a:xfrm>
-            <a:prstGeom prst="rect">
-              <a:avLst/>
-            </a:prstGeom>
-          </p:spPr>
-        </p:pic>
-        <p:sp>
-          <p:nvSpPr>
-            <p:cNvPr id="26" name="Rechteck 25"/>
-            <p:cNvSpPr/>
-            <p:nvPr/>
-          </p:nvSpPr>
-          <p:spPr>
-            <a:xfrm>
-              <a:off x="2030081" y="3620119"/>
-              <a:ext cx="867429" cy="369332"/>
-            </a:xfrm>
-            <a:prstGeom prst="rect">
-              <a:avLst/>
-            </a:prstGeom>
-            <a:solidFill>
-              <a:schemeClr val="bg1"/>
-            </a:solidFill>
-          </p:spPr>
-          <p:txBody>
-            <a:bodyPr wrap="square">
-              <a:spAutoFit/>
-            </a:bodyPr>
-            <a:lstStyle/>
-            <a:p>
-              <a:r>
-                <a:rPr lang="en-US" dirty="0">
-                  <a:solidFill>
-                    <a:schemeClr val="bg1">
-                      <a:lumMod val="50000"/>
-                    </a:schemeClr>
-                  </a:solidFill>
-                  <a:cs typeface="Consolas" panose="020B0609020204030204" pitchFamily="49" charset="0"/>
-                </a:rPr>
-                <a:t>session</a:t>
-              </a:r>
-            </a:p>
-          </p:txBody>
-        </p:sp>
-      </p:grpSp>
       <p:sp>
         <p:nvSpPr>
           <p:cNvPr id="3" name="Textfeld 2"/>
@@ -6151,7 +5384,7 @@
         </p:nvSpPr>
         <p:spPr>
           <a:xfrm>
-            <a:off x="6696171" y="1524073"/>
+            <a:off x="4750548" y="1771499"/>
             <a:ext cx="5378598" cy="830997"/>
           </a:xfrm>
           <a:prstGeom prst="rect">
@@ -6191,7 +5424,7 @@
         </p:nvSpPr>
         <p:spPr>
           <a:xfrm>
-            <a:off x="6738629" y="2388342"/>
+            <a:off x="4793006" y="2635768"/>
             <a:ext cx="4769542" cy="830997"/>
           </a:xfrm>
           <a:prstGeom prst="rect">
@@ -6231,7 +5464,7 @@
         </p:nvSpPr>
         <p:spPr>
           <a:xfrm>
-            <a:off x="6723000" y="3293960"/>
+            <a:off x="4777377" y="3541386"/>
             <a:ext cx="5351769" cy="830997"/>
           </a:xfrm>
           <a:prstGeom prst="rect">
@@ -6271,7 +5504,7 @@
         </p:nvGrpSpPr>
         <p:grpSpPr>
           <a:xfrm>
-            <a:off x="3379665" y="1028319"/>
+            <a:off x="1434042" y="1275745"/>
             <a:ext cx="3118338" cy="3255065"/>
             <a:chOff x="3379665" y="1028319"/>
             <a:chExt cx="3118338" cy="3255065"/>
@@ -6553,7 +5786,7 @@
         </p:nvSpPr>
         <p:spPr>
           <a:xfrm>
-            <a:off x="7103490" y="4113261"/>
+            <a:off x="5157867" y="4360687"/>
             <a:ext cx="3779854" cy="677108"/>
           </a:xfrm>
           <a:prstGeom prst="rect">
@@ -6573,7 +5806,7 @@
             </a:pPr>
             <a:r>
               <a:rPr lang="en-US" sz="2000" dirty="0"/>
-              <a:t>TCP/IP socket (300 LOC)</a:t>
+              <a:t>TCP/IP socket (650 LOC)</a:t>
             </a:r>
           </a:p>
           <a:p>
@@ -6596,7 +5829,7 @@
         </p:nvSpPr>
         <p:spPr>
           <a:xfrm>
-            <a:off x="7101222" y="4746698"/>
+            <a:off x="5155599" y="4994124"/>
             <a:ext cx="4973548" cy="1231106"/>
           </a:xfrm>
           <a:prstGeom prst="rect">
@@ -6620,7 +5853,7 @@
             </a:r>
             <a:r>
               <a:rPr lang="en-US" sz="2000" dirty="0"/>
-              <a:t> (100 LOC)</a:t>
+              <a:t> (200 LOC)</a:t>
             </a:r>
           </a:p>
           <a:p>
@@ -6706,7 +5939,7 @@
                             </p:stCondLst>
                             <p:childTnLst>
                               <p:par>
-                                <p:cTn id="5" presetID="53" presetClass="entr" presetSubtype="16" fill="hold" nodeType="clickEffect">
+                                <p:cTn id="5" presetID="53" presetClass="entr" presetSubtype="16" fill="hold" grpId="0" nodeType="clickEffect">
                                   <p:stCondLst>
                                     <p:cond delay="0"/>
                                   </p:stCondLst>
@@ -6719,7 +5952,7 @@
                                           </p:stCondLst>
                                         </p:cTn>
                                         <p:tgtEl>
-                                          <p:spTgt spid="6"/>
+                                          <p:spTgt spid="3"/>
                                         </p:tgtEl>
                                         <p:attrNameLst>
                                           <p:attrName>style.visibility</p:attrName>
@@ -6733,7 +5966,7 @@
                                       <p:cBhvr>
                                         <p:cTn id="7" dur="500" fill="hold"/>
                                         <p:tgtEl>
-                                          <p:spTgt spid="6"/>
+                                          <p:spTgt spid="3"/>
                                         </p:tgtEl>
                                         <p:attrNameLst>
                                           <p:attrName>ppt_w</p:attrName>
@@ -6756,7 +5989,7 @@
                                       <p:cBhvr>
                                         <p:cTn id="8" dur="500" fill="hold"/>
                                         <p:tgtEl>
-                                          <p:spTgt spid="6"/>
+                                          <p:spTgt spid="3"/>
                                         </p:tgtEl>
                                         <p:attrNameLst>
                                           <p:attrName>ppt_h</p:attrName>
@@ -6779,7 +6012,7 @@
                                       <p:cBhvr>
                                         <p:cTn id="9" dur="500"/>
                                         <p:tgtEl>
-                                          <p:spTgt spid="6"/>
+                                          <p:spTgt spid="3"/>
                                         </p:tgtEl>
                                       </p:cBhvr>
                                     </p:animEffect>
@@ -6818,7 +6051,7 @@
                                           </p:stCondLst>
                                         </p:cTn>
                                         <p:tgtEl>
-                                          <p:spTgt spid="3"/>
+                                          <p:spTgt spid="35"/>
                                         </p:tgtEl>
                                         <p:attrNameLst>
                                           <p:attrName>style.visibility</p:attrName>
@@ -6832,7 +6065,7 @@
                                       <p:cBhvr>
                                         <p:cTn id="14" dur="500" fill="hold"/>
                                         <p:tgtEl>
-                                          <p:spTgt spid="3"/>
+                                          <p:spTgt spid="35"/>
                                         </p:tgtEl>
                                         <p:attrNameLst>
                                           <p:attrName>ppt_w</p:attrName>
@@ -6855,7 +6088,7 @@
                                       <p:cBhvr>
                                         <p:cTn id="15" dur="500" fill="hold"/>
                                         <p:tgtEl>
-                                          <p:spTgt spid="3"/>
+                                          <p:spTgt spid="35"/>
                                         </p:tgtEl>
                                         <p:attrNameLst>
                                           <p:attrName>ppt_h</p:attrName>
@@ -6878,7 +6111,7 @@
                                       <p:cBhvr>
                                         <p:cTn id="16" dur="500"/>
                                         <p:tgtEl>
-                                          <p:spTgt spid="3"/>
+                                          <p:spTgt spid="35"/>
                                         </p:tgtEl>
                                       </p:cBhvr>
                                     </p:animEffect>
@@ -6917,7 +6150,7 @@
                                           </p:stCondLst>
                                         </p:cTn>
                                         <p:tgtEl>
-                                          <p:spTgt spid="35"/>
+                                          <p:spTgt spid="36"/>
                                         </p:tgtEl>
                                         <p:attrNameLst>
                                           <p:attrName>style.visibility</p:attrName>
@@ -6931,7 +6164,7 @@
                                       <p:cBhvr>
                                         <p:cTn id="21" dur="500" fill="hold"/>
                                         <p:tgtEl>
-                                          <p:spTgt spid="35"/>
+                                          <p:spTgt spid="36"/>
                                         </p:tgtEl>
                                         <p:attrNameLst>
                                           <p:attrName>ppt_w</p:attrName>
@@ -6954,7 +6187,7 @@
                                       <p:cBhvr>
                                         <p:cTn id="22" dur="500" fill="hold"/>
                                         <p:tgtEl>
-                                          <p:spTgt spid="35"/>
+                                          <p:spTgt spid="36"/>
                                         </p:tgtEl>
                                         <p:attrNameLst>
                                           <p:attrName>ppt_h</p:attrName>
@@ -6977,105 +6210,6 @@
                                       <p:cBhvr>
                                         <p:cTn id="23" dur="500"/>
                                         <p:tgtEl>
-                                          <p:spTgt spid="35"/>
-                                        </p:tgtEl>
-                                      </p:cBhvr>
-                                    </p:animEffect>
-                                  </p:childTnLst>
-                                </p:cTn>
-                              </p:par>
-                            </p:childTnLst>
-                          </p:cTn>
-                        </p:par>
-                      </p:childTnLst>
-                    </p:cTn>
-                  </p:par>
-                  <p:par>
-                    <p:cTn id="24" fill="hold">
-                      <p:stCondLst>
-                        <p:cond delay="indefinite"/>
-                      </p:stCondLst>
-                      <p:childTnLst>
-                        <p:par>
-                          <p:cTn id="25" fill="hold">
-                            <p:stCondLst>
-                              <p:cond delay="0"/>
-                            </p:stCondLst>
-                            <p:childTnLst>
-                              <p:par>
-                                <p:cTn id="26" presetID="53" presetClass="entr" presetSubtype="16" fill="hold" grpId="0" nodeType="clickEffect">
-                                  <p:stCondLst>
-                                    <p:cond delay="0"/>
-                                  </p:stCondLst>
-                                  <p:childTnLst>
-                                    <p:set>
-                                      <p:cBhvr>
-                                        <p:cTn id="27" dur="1" fill="hold">
-                                          <p:stCondLst>
-                                            <p:cond delay="0"/>
-                                          </p:stCondLst>
-                                        </p:cTn>
-                                        <p:tgtEl>
-                                          <p:spTgt spid="36"/>
-                                        </p:tgtEl>
-                                        <p:attrNameLst>
-                                          <p:attrName>style.visibility</p:attrName>
-                                        </p:attrNameLst>
-                                      </p:cBhvr>
-                                      <p:to>
-                                        <p:strVal val="visible"/>
-                                      </p:to>
-                                    </p:set>
-                                    <p:anim calcmode="lin" valueType="num">
-                                      <p:cBhvr>
-                                        <p:cTn id="28" dur="500" fill="hold"/>
-                                        <p:tgtEl>
-                                          <p:spTgt spid="36"/>
-                                        </p:tgtEl>
-                                        <p:attrNameLst>
-                                          <p:attrName>ppt_w</p:attrName>
-                                        </p:attrNameLst>
-                                      </p:cBhvr>
-                                      <p:tavLst>
-                                        <p:tav tm="0">
-                                          <p:val>
-                                            <p:fltVal val="0"/>
-                                          </p:val>
-                                        </p:tav>
-                                        <p:tav tm="100000">
-                                          <p:val>
-                                            <p:strVal val="#ppt_w"/>
-                                          </p:val>
-                                        </p:tav>
-                                      </p:tavLst>
-                                    </p:anim>
-                                    <p:anim calcmode="lin" valueType="num">
-                                      <p:cBhvr>
-                                        <p:cTn id="29" dur="500" fill="hold"/>
-                                        <p:tgtEl>
-                                          <p:spTgt spid="36"/>
-                                        </p:tgtEl>
-                                        <p:attrNameLst>
-                                          <p:attrName>ppt_h</p:attrName>
-                                        </p:attrNameLst>
-                                      </p:cBhvr>
-                                      <p:tavLst>
-                                        <p:tav tm="0">
-                                          <p:val>
-                                            <p:fltVal val="0"/>
-                                          </p:val>
-                                        </p:tav>
-                                        <p:tav tm="100000">
-                                          <p:val>
-                                            <p:strVal val="#ppt_h"/>
-                                          </p:val>
-                                        </p:tav>
-                                      </p:tavLst>
-                                    </p:anim>
-                                    <p:animEffect transition="in" filter="fade">
-                                      <p:cBhvr>
-                                        <p:cTn id="30" dur="500"/>
-                                        <p:tgtEl>
                                           <p:spTgt spid="36"/>
                                         </p:tgtEl>
                                       </p:cBhvr>
@@ -7084,14 +6218,14 @@
                                 </p:cTn>
                               </p:par>
                               <p:par>
-                                <p:cTn id="31" presetID="53" presetClass="entr" presetSubtype="16" fill="hold" grpId="0" nodeType="withEffect">
+                                <p:cTn id="24" presetID="53" presetClass="entr" presetSubtype="16" fill="hold" grpId="0" nodeType="withEffect">
                                   <p:stCondLst>
                                     <p:cond delay="0"/>
                                   </p:stCondLst>
                                   <p:childTnLst>
                                     <p:set>
                                       <p:cBhvr>
-                                        <p:cTn id="32" dur="1" fill="hold">
+                                        <p:cTn id="25" dur="1" fill="hold">
                                           <p:stCondLst>
                                             <p:cond delay="0"/>
                                           </p:stCondLst>
@@ -7109,7 +6243,7 @@
                                     </p:set>
                                     <p:anim calcmode="lin" valueType="num">
                                       <p:cBhvr>
-                                        <p:cTn id="33" dur="500" fill="hold"/>
+                                        <p:cTn id="26" dur="500" fill="hold"/>
                                         <p:tgtEl>
                                           <p:spTgt spid="28"/>
                                         </p:tgtEl>
@@ -7132,7 +6266,7 @@
                                     </p:anim>
                                     <p:anim calcmode="lin" valueType="num">
                                       <p:cBhvr>
-                                        <p:cTn id="34" dur="500" fill="hold"/>
+                                        <p:cTn id="27" dur="500" fill="hold"/>
                                         <p:tgtEl>
                                           <p:spTgt spid="28"/>
                                         </p:tgtEl>
@@ -7155,7 +6289,7 @@
                                     </p:anim>
                                     <p:animEffect transition="in" filter="fade">
                                       <p:cBhvr>
-                                        <p:cTn id="35" dur="500"/>
+                                        <p:cTn id="28" dur="500"/>
                                         <p:tgtEl>
                                           <p:spTgt spid="28"/>
                                         </p:tgtEl>
@@ -7165,14 +6299,14 @@
                                 </p:cTn>
                               </p:par>
                               <p:par>
-                                <p:cTn id="36" presetID="53" presetClass="entr" presetSubtype="16" fill="hold" grpId="0" nodeType="withEffect">
+                                <p:cTn id="29" presetID="53" presetClass="entr" presetSubtype="16" fill="hold" grpId="0" nodeType="withEffect">
                                   <p:stCondLst>
                                     <p:cond delay="0"/>
                                   </p:stCondLst>
                                   <p:childTnLst>
                                     <p:set>
                                       <p:cBhvr>
-                                        <p:cTn id="37" dur="1" fill="hold">
+                                        <p:cTn id="30" dur="1" fill="hold">
                                           <p:stCondLst>
                                             <p:cond delay="0"/>
                                           </p:stCondLst>
@@ -7190,7 +6324,7 @@
                                     </p:set>
                                     <p:anim calcmode="lin" valueType="num">
                                       <p:cBhvr>
-                                        <p:cTn id="38" dur="500" fill="hold"/>
+                                        <p:cTn id="31" dur="500" fill="hold"/>
                                         <p:tgtEl>
                                           <p:spTgt spid="29"/>
                                         </p:tgtEl>
@@ -7213,7 +6347,7 @@
                                     </p:anim>
                                     <p:anim calcmode="lin" valueType="num">
                                       <p:cBhvr>
-                                        <p:cTn id="39" dur="500" fill="hold"/>
+                                        <p:cTn id="32" dur="500" fill="hold"/>
                                         <p:tgtEl>
                                           <p:spTgt spid="29"/>
                                         </p:tgtEl>
@@ -7236,7 +6370,7 @@
                                     </p:anim>
                                     <p:animEffect transition="in" filter="fade">
                                       <p:cBhvr>
-                                        <p:cTn id="40" dur="500"/>
+                                        <p:cTn id="33" dur="500"/>
                                         <p:tgtEl>
                                           <p:spTgt spid="29"/>
                                         </p:tgtEl>
@@ -7283,7 +6417,7 @@
 </p:sld>
 </file>
 
-<file path=ppt/slides/slide4.xml><?xml version="1.0" encoding="utf-8"?>
+<file path=ppt/slides/slide3.xml><?xml version="1.0" encoding="utf-8"?>
 <p:sld xmlns:a="http://schemas.openxmlformats.org/drawingml/2006/main" xmlns:r="http://schemas.openxmlformats.org/officeDocument/2006/relationships" xmlns:p="http://schemas.openxmlformats.org/presentationml/2006/main">
   <p:cSld>
     <p:spTree>
@@ -7312,12 +6446,12 @@
         </p:nvSpPr>
         <p:spPr>
           <a:xfrm>
-            <a:off x="567531" y="165917"/>
-            <a:ext cx="10515600" cy="687633"/>
+            <a:off x="535127" y="165917"/>
+            <a:ext cx="11271640" cy="687633"/>
           </a:xfrm>
         </p:spPr>
         <p:txBody>
-          <a:bodyPr>
+          <a:bodyPr lIns="180000">
             <a:normAutofit/>
           </a:bodyPr>
           <a:lstStyle/>
@@ -8372,7 +7506,7 @@
 </p:sld>
 </file>
 
-<file path=ppt/slides/slide5.xml><?xml version="1.0" encoding="utf-8"?>
+<file path=ppt/slides/slide4.xml><?xml version="1.0" encoding="utf-8"?>
 <p:sld xmlns:a="http://schemas.openxmlformats.org/drawingml/2006/main" xmlns:r="http://schemas.openxmlformats.org/officeDocument/2006/relationships" xmlns:p="http://schemas.openxmlformats.org/presentationml/2006/main">
   <p:cSld>
     <p:spTree>
@@ -8401,13 +7535,13 @@
         </p:nvSpPr>
         <p:spPr>
           <a:xfrm>
-            <a:off x="309636" y="281355"/>
-            <a:ext cx="10515600" cy="507999"/>
+            <a:off x="226423" y="203037"/>
+            <a:ext cx="11821643" cy="667053"/>
           </a:xfrm>
         </p:spPr>
         <p:txBody>
-          <a:bodyPr>
-            <a:normAutofit fontScale="90000"/>
+          <a:bodyPr lIns="180000">
+            <a:normAutofit/>
           </a:bodyPr>
           <a:lstStyle/>
           <a:p>
@@ -8427,7 +7561,7 @@
         </p:nvGrpSpPr>
         <p:grpSpPr>
           <a:xfrm>
-            <a:off x="294063" y="839638"/>
+            <a:off x="294063" y="879918"/>
             <a:ext cx="5296936" cy="3255391"/>
             <a:chOff x="294063" y="839638"/>
             <a:chExt cx="5296936" cy="3255391"/>
@@ -9265,7 +8399,7 @@
         </p:nvGrpSpPr>
         <p:grpSpPr>
           <a:xfrm>
-            <a:off x="4648590" y="1268274"/>
+            <a:off x="4596339" y="1282430"/>
             <a:ext cx="7350902" cy="1827244"/>
             <a:chOff x="4648590" y="1268274"/>
             <a:chExt cx="7350902" cy="1827244"/>
@@ -9797,7 +8931,7 @@
 </p:sld>
 </file>
 
-<file path=ppt/slides/slide6.xml><?xml version="1.0" encoding="utf-8"?>
+<file path=ppt/slides/slide5.xml><?xml version="1.0" encoding="utf-8"?>
 <p:sld xmlns:a="http://schemas.openxmlformats.org/drawingml/2006/main" xmlns:r="http://schemas.openxmlformats.org/officeDocument/2006/relationships" xmlns:p="http://schemas.openxmlformats.org/presentationml/2006/main">
   <p:cSld>
     <p:spTree>
@@ -9826,12 +8960,12 @@
         </p:nvSpPr>
         <p:spPr>
           <a:xfrm>
-            <a:off x="286191" y="156392"/>
-            <a:ext cx="10515600" cy="687633"/>
+            <a:off x="200297" y="156392"/>
+            <a:ext cx="11788534" cy="687633"/>
           </a:xfrm>
         </p:spPr>
         <p:txBody>
-          <a:bodyPr>
+          <a:bodyPr lIns="180000">
             <a:normAutofit/>
           </a:bodyPr>
           <a:lstStyle/>
@@ -9852,7 +8986,7 @@
         </p:nvGrpSpPr>
         <p:grpSpPr>
           <a:xfrm>
-            <a:off x="3946046" y="1946984"/>
+            <a:off x="3872028" y="1946984"/>
             <a:ext cx="2241911" cy="3977495"/>
             <a:chOff x="4050821" y="1433513"/>
             <a:chExt cx="2241911" cy="3977495"/>
@@ -10683,7 +9817,7 @@
         </p:nvGrpSpPr>
         <p:grpSpPr>
           <a:xfrm>
-            <a:off x="6395539" y="1162260"/>
+            <a:off x="6321521" y="1162260"/>
             <a:ext cx="5593292" cy="3998242"/>
             <a:chOff x="6395539" y="648789"/>
             <a:chExt cx="5593292" cy="3998242"/>
@@ -11378,7 +10512,7 @@
 </p:sld>
 </file>
 
-<file path=ppt/slides/slide7.xml><?xml version="1.0" encoding="utf-8"?>
+<file path=ppt/slides/slide6.xml><?xml version="1.0" encoding="utf-8"?>
 <p:sld xmlns:a="http://schemas.openxmlformats.org/drawingml/2006/main" xmlns:r="http://schemas.openxmlformats.org/officeDocument/2006/relationships" xmlns:p="http://schemas.openxmlformats.org/presentationml/2006/main">
   <p:cSld>
     <p:spTree>
@@ -11407,12 +10541,12 @@
         </p:nvSpPr>
         <p:spPr>
           <a:xfrm>
-            <a:off x="567531" y="165917"/>
-            <a:ext cx="10515600" cy="687633"/>
+            <a:off x="287383" y="165917"/>
+            <a:ext cx="11405084" cy="687633"/>
           </a:xfrm>
         </p:spPr>
         <p:txBody>
-          <a:bodyPr>
+          <a:bodyPr lIns="180000">
             <a:normAutofit/>
           </a:bodyPr>
           <a:lstStyle/>
@@ -11437,7 +10571,7 @@
         </p:nvGrpSpPr>
         <p:grpSpPr>
           <a:xfrm>
-            <a:off x="4395562" y="1016907"/>
+            <a:off x="4395562" y="1082220"/>
             <a:ext cx="5953125" cy="5675369"/>
             <a:chOff x="4395562" y="1016907"/>
             <a:chExt cx="5953125" cy="5675369"/>
@@ -11674,7 +10808,7 @@
         </p:nvGrpSpPr>
         <p:grpSpPr>
           <a:xfrm>
-            <a:off x="512003" y="1087318"/>
+            <a:off x="512003" y="1152631"/>
             <a:ext cx="2782175" cy="5199369"/>
             <a:chOff x="512003" y="1087318"/>
             <a:chExt cx="2782175" cy="5199369"/>
@@ -12438,7 +11572,7 @@
         </p:nvSpPr>
         <p:spPr>
           <a:xfrm>
-            <a:off x="2484313" y="4846761"/>
+            <a:off x="2484313" y="4912074"/>
             <a:ext cx="1249029" cy="369332"/>
           </a:xfrm>
           <a:prstGeom prst="rect">
@@ -12476,7 +11610,7 @@
         </p:nvSpPr>
         <p:spPr>
           <a:xfrm>
-            <a:off x="2484313" y="2193980"/>
+            <a:off x="2484313" y="2259293"/>
             <a:ext cx="1249029" cy="369332"/>
           </a:xfrm>
           <a:prstGeom prst="rect">
@@ -12519,7 +11653,7 @@
 </p:sld>
 </file>
 
-<file path=ppt/slides/slide8.xml><?xml version="1.0" encoding="utf-8"?>
+<file path=ppt/slides/slide7.xml><?xml version="1.0" encoding="utf-8"?>
 <p:sld xmlns:a="http://schemas.openxmlformats.org/drawingml/2006/main" xmlns:r="http://schemas.openxmlformats.org/officeDocument/2006/relationships" xmlns:p="http://schemas.openxmlformats.org/presentationml/2006/main">
   <p:cSld>
     <p:spTree>
@@ -12548,12 +11682,12 @@
         </p:nvSpPr>
         <p:spPr>
           <a:xfrm>
-            <a:off x="567531" y="165917"/>
-            <a:ext cx="10515600" cy="687633"/>
+            <a:off x="278674" y="165917"/>
+            <a:ext cx="11532325" cy="687633"/>
           </a:xfrm>
         </p:spPr>
         <p:txBody>
-          <a:bodyPr>
+          <a:bodyPr lIns="180000">
             <a:normAutofit/>
           </a:bodyPr>
           <a:lstStyle/>
@@ -12574,7 +11708,7 @@
         </p:nvSpPr>
         <p:spPr>
           <a:xfrm>
-            <a:off x="4251477" y="2588014"/>
+            <a:off x="4142621" y="2846733"/>
             <a:ext cx="2440351" cy="707886"/>
           </a:xfrm>
           <a:prstGeom prst="rect">
@@ -12621,7 +11755,7 @@
         </p:nvGrpSpPr>
         <p:grpSpPr>
           <a:xfrm>
-            <a:off x="3515710" y="487608"/>
+            <a:off x="3406854" y="936820"/>
             <a:ext cx="5322678" cy="1903153"/>
             <a:chOff x="3515710" y="487608"/>
             <a:chExt cx="5322678" cy="1903153"/>
@@ -13193,10 +12327,10 @@
         </p:nvGrpSpPr>
         <p:grpSpPr>
           <a:xfrm>
-            <a:off x="8249284" y="4196893"/>
-            <a:ext cx="3328427" cy="2478473"/>
-            <a:chOff x="7152004" y="4196893"/>
-            <a:chExt cx="3328427" cy="2478473"/>
+            <a:off x="8301539" y="4585994"/>
+            <a:ext cx="3219905" cy="2153198"/>
+            <a:chOff x="7152004" y="4394405"/>
+            <a:chExt cx="3219905" cy="2153198"/>
           </a:xfrm>
         </p:grpSpPr>
         <p:sp>
@@ -13207,8 +12341,8 @@
           </p:nvSpPr>
           <p:spPr>
             <a:xfrm>
-              <a:off x="8258956" y="5044150"/>
-              <a:ext cx="2221475" cy="1631216"/>
+              <a:off x="8258956" y="5070275"/>
+              <a:ext cx="2112953" cy="1477328"/>
             </a:xfrm>
             <a:prstGeom prst="rect">
               <a:avLst/>
@@ -13227,7 +12361,7 @@
             <a:lstStyle/>
             <a:p>
               <a:r>
-                <a:rPr lang="en-US" sz="2000" b="1" dirty="0">
+                <a:rPr lang="en-US" b="1" dirty="0">
                   <a:latin typeface="Consolas" panose="020B0609020204030204" pitchFamily="49" charset="0"/>
                   <a:cs typeface="Consolas" panose="020B0609020204030204" pitchFamily="49" charset="0"/>
                 </a:rPr>
@@ -13236,14 +12370,14 @@
             </a:p>
             <a:p>
               <a:r>
-                <a:rPr lang="en-US" sz="2000" b="1" dirty="0">
+                <a:rPr lang="en-US" b="1" dirty="0">
                   <a:latin typeface="Consolas" panose="020B0609020204030204" pitchFamily="49" charset="0"/>
                   <a:cs typeface="Consolas" panose="020B0609020204030204" pitchFamily="49" charset="0"/>
                 </a:rPr>
                 <a:t>  </a:t>
               </a:r>
               <a:r>
-                <a:rPr lang="en-US" sz="2000" b="1" dirty="0">
+                <a:rPr lang="en-US" b="1" dirty="0">
                   <a:solidFill>
                     <a:srgbClr val="FF0000"/>
                   </a:solidFill>
@@ -13255,14 +12389,14 @@
             </a:p>
             <a:p>
               <a:r>
-                <a:rPr lang="en-US" sz="2000" b="1" dirty="0">
+                <a:rPr lang="en-US" b="1" dirty="0">
                   <a:latin typeface="Consolas" panose="020B0609020204030204" pitchFamily="49" charset="0"/>
                   <a:cs typeface="Consolas" panose="020B0609020204030204" pitchFamily="49" charset="0"/>
                 </a:rPr>
                 <a:t>  </a:t>
               </a:r>
               <a:r>
-                <a:rPr lang="en-US" sz="2000" b="1" dirty="0">
+                <a:rPr lang="en-US" b="1" dirty="0">
                   <a:solidFill>
                     <a:schemeClr val="accent5">
                       <a:lumMod val="75000"/>
@@ -13274,7 +12408,7 @@
                 <a:t>name = "ABB"</a:t>
               </a:r>
               <a:r>
-                <a:rPr lang="en-US" sz="2000" b="1" dirty="0">
+                <a:rPr lang="en-US" b="1" dirty="0">
                   <a:latin typeface="Consolas" panose="020B0609020204030204" pitchFamily="49" charset="0"/>
                   <a:cs typeface="Consolas" panose="020B0609020204030204" pitchFamily="49" charset="0"/>
                 </a:rPr>
@@ -13283,14 +12417,14 @@
             </a:p>
             <a:p>
               <a:r>
-                <a:rPr lang="en-US" sz="2000" b="1" dirty="0">
+                <a:rPr lang="en-US" b="1" dirty="0">
                   <a:latin typeface="Consolas" panose="020B0609020204030204" pitchFamily="49" charset="0"/>
                   <a:cs typeface="Consolas" panose="020B0609020204030204" pitchFamily="49" charset="0"/>
                 </a:rPr>
                 <a:t>  </a:t>
               </a:r>
               <a:r>
-                <a:rPr lang="en-US" sz="2000" b="1" dirty="0">
+                <a:rPr lang="en-US" b="1" dirty="0">
                   <a:solidFill>
                     <a:schemeClr val="accent6">
                       <a:lumMod val="75000"/>
@@ -13304,7 +12438,7 @@
             </a:p>
             <a:p>
               <a:r>
-                <a:rPr lang="en-US" sz="2000" b="1" dirty="0">
+                <a:rPr lang="en-US" b="1" dirty="0">
                   <a:latin typeface="Consolas" panose="020B0609020204030204" pitchFamily="49" charset="0"/>
                   <a:cs typeface="Consolas" panose="020B0609020204030204" pitchFamily="49" charset="0"/>
                 </a:rPr>
@@ -13352,13 +12486,15 @@
         <p:cxnSp>
           <p:nvCxnSpPr>
             <p:cNvPr id="53" name="Gerade Verbindung mit Pfeil 52"/>
-            <p:cNvCxnSpPr/>
+            <p:cNvCxnSpPr>
+              <a:cxnSpLocks/>
+            </p:cNvCxnSpPr>
             <p:nvPr/>
           </p:nvCxnSpPr>
           <p:spPr>
             <a:xfrm>
-              <a:off x="9280934" y="4196893"/>
-              <a:ext cx="0" cy="590445"/>
+              <a:off x="9267871" y="4394405"/>
+              <a:ext cx="0" cy="472248"/>
             </a:xfrm>
             <a:prstGeom prst="straightConnector1">
               <a:avLst/>
@@ -13397,10 +12533,10 @@
         </p:nvGrpSpPr>
         <p:grpSpPr>
           <a:xfrm>
-            <a:off x="478511" y="2500923"/>
-            <a:ext cx="3315601" cy="2952299"/>
-            <a:chOff x="478511" y="2500923"/>
-            <a:chExt cx="3315601" cy="2952299"/>
+            <a:off x="347885" y="2980278"/>
+            <a:ext cx="3315601" cy="2847418"/>
+            <a:chOff x="478511" y="2605804"/>
+            <a:chExt cx="3315601" cy="2847418"/>
           </a:xfrm>
         </p:grpSpPr>
         <p:grpSp>
@@ -13411,10 +12547,10 @@
           </p:nvGrpSpPr>
           <p:grpSpPr>
             <a:xfrm>
-              <a:off x="478511" y="2500923"/>
-              <a:ext cx="3315601" cy="2495732"/>
-              <a:chOff x="478511" y="2500923"/>
-              <a:chExt cx="3315601" cy="2495732"/>
+              <a:off x="478511" y="2605804"/>
+              <a:ext cx="3315601" cy="2390851"/>
+              <a:chOff x="478511" y="2605804"/>
+              <a:chExt cx="3315601" cy="2390851"/>
             </a:xfrm>
           </p:grpSpPr>
           <p:sp>
@@ -13584,13 +12720,15 @@
           <p:cxnSp>
             <p:nvCxnSpPr>
               <p:cNvPr id="47" name="Gerade Verbindung mit Pfeil 46"/>
-              <p:cNvCxnSpPr/>
+              <p:cNvCxnSpPr>
+                <a:cxnSpLocks/>
+              </p:cNvCxnSpPr>
               <p:nvPr/>
             </p:nvCxnSpPr>
             <p:spPr>
               <a:xfrm flipH="1">
-                <a:off x="3593592" y="2500923"/>
-                <a:ext cx="200520" cy="713240"/>
+                <a:off x="3515710" y="2605804"/>
+                <a:ext cx="188763" cy="567067"/>
               </a:xfrm>
               <a:prstGeom prst="straightConnector1">
                 <a:avLst/>
@@ -13665,10 +12803,10 @@
         </p:nvGrpSpPr>
         <p:grpSpPr>
           <a:xfrm>
-            <a:off x="6995160" y="2500923"/>
-            <a:ext cx="5254577" cy="2432432"/>
-            <a:chOff x="6995160" y="2500923"/>
-            <a:chExt cx="4734951" cy="2432432"/>
+            <a:off x="6774832" y="2974919"/>
+            <a:ext cx="5130921" cy="2280653"/>
+            <a:chOff x="7106588" y="2652702"/>
+            <a:chExt cx="4623523" cy="2280653"/>
           </a:xfrm>
         </p:grpSpPr>
         <p:grpSp>
@@ -13679,10 +12817,10 @@
           </p:nvGrpSpPr>
           <p:grpSpPr>
             <a:xfrm>
-              <a:off x="6995160" y="2500923"/>
-              <a:ext cx="4390118" cy="2432432"/>
-              <a:chOff x="6995160" y="2500923"/>
-              <a:chExt cx="4390118" cy="2432432"/>
+              <a:off x="7106588" y="2652702"/>
+              <a:ext cx="4278690" cy="2280653"/>
+              <a:chOff x="7106588" y="2652702"/>
+              <a:chExt cx="4278690" cy="2280653"/>
             </a:xfrm>
           </p:grpSpPr>
           <p:grpSp>
@@ -13693,10 +12831,10 @@
             </p:nvGrpSpPr>
             <p:grpSpPr>
               <a:xfrm>
-                <a:off x="6995160" y="2500923"/>
-                <a:ext cx="4390118" cy="1328634"/>
-                <a:chOff x="6995160" y="2500923"/>
-                <a:chExt cx="4390118" cy="1328634"/>
+                <a:off x="7106588" y="2652702"/>
+                <a:ext cx="4278690" cy="1176855"/>
+                <a:chOff x="7106588" y="2652702"/>
+                <a:chExt cx="4278690" cy="1176855"/>
               </a:xfrm>
             </p:grpSpPr>
             <p:sp>
@@ -13879,7 +13017,7 @@
                       </a:solidFill>
                       <a:cs typeface="Consolas" panose="020B0609020204030204" pitchFamily="49" charset="0"/>
                     </a:rPr>
-                    <a:t>(800 LOC)</a:t>
+                    <a:t>(1000 LOC)</a:t>
                   </a:r>
                 </a:p>
               </p:txBody>
@@ -13887,13 +13025,15 @@
             <p:cxnSp>
               <p:nvCxnSpPr>
                 <p:cNvPr id="49" name="Gerade Verbindung mit Pfeil 48"/>
-                <p:cNvCxnSpPr/>
+                <p:cNvCxnSpPr>
+                  <a:cxnSpLocks/>
+                </p:cNvCxnSpPr>
                 <p:nvPr/>
               </p:nvCxnSpPr>
               <p:spPr>
                 <a:xfrm>
-                  <a:off x="6995160" y="2500923"/>
-                  <a:ext cx="237744" cy="713240"/>
+                  <a:off x="7106588" y="2652702"/>
+                  <a:ext cx="260926" cy="550276"/>
                 </a:xfrm>
                 <a:prstGeom prst="straightConnector1">
                   <a:avLst/>
@@ -14538,2867 +13678,6 @@
         </p:cTn>
       </p:par>
     </p:tnLst>
-  </p:timing>
-</p:sld>
-</file>
-
-<file path=ppt/slides/slide9.xml><?xml version="1.0" encoding="utf-8"?>
-<p:sld xmlns:a="http://schemas.openxmlformats.org/drawingml/2006/main" xmlns:r="http://schemas.openxmlformats.org/officeDocument/2006/relationships" xmlns:p="http://schemas.openxmlformats.org/presentationml/2006/main">
-  <p:cSld>
-    <p:spTree>
-      <p:nvGrpSpPr>
-        <p:cNvPr id="1" name=""/>
-        <p:cNvGrpSpPr/>
-        <p:nvPr/>
-      </p:nvGrpSpPr>
-      <p:grpSpPr>
-        <a:xfrm>
-          <a:off x="0" y="0"/>
-          <a:ext cx="0" cy="0"/>
-          <a:chOff x="0" y="0"/>
-          <a:chExt cx="0" cy="0"/>
-        </a:xfrm>
-      </p:grpSpPr>
-      <p:sp>
-        <p:nvSpPr>
-          <p:cNvPr id="5" name="Abgerundetes Rechteck 4"/>
-          <p:cNvSpPr/>
-          <p:nvPr/>
-        </p:nvSpPr>
-        <p:spPr>
-          <a:xfrm>
-            <a:off x="9580770" y="1474659"/>
-            <a:ext cx="1797050" cy="1576933"/>
-          </a:xfrm>
-          <a:prstGeom prst="roundRect">
-            <a:avLst/>
-          </a:prstGeom>
-          <a:solidFill>
-            <a:schemeClr val="bg1">
-              <a:lumMod val="65000"/>
-            </a:schemeClr>
-          </a:solidFill>
-          <a:ln>
-            <a:noFill/>
-          </a:ln>
-        </p:spPr>
-        <p:style>
-          <a:lnRef idx="2">
-            <a:schemeClr val="accent1">
-              <a:shade val="50000"/>
-            </a:schemeClr>
-          </a:lnRef>
-          <a:fillRef idx="1">
-            <a:schemeClr val="accent1"/>
-          </a:fillRef>
-          <a:effectRef idx="0">
-            <a:schemeClr val="accent1"/>
-          </a:effectRef>
-          <a:fontRef idx="minor">
-            <a:schemeClr val="lt1"/>
-          </a:fontRef>
-        </p:style>
-        <p:txBody>
-          <a:bodyPr rtlCol="0" anchor="ctr"/>
-          <a:lstStyle/>
-          <a:p>
-            <a:pPr algn="ctr"/>
-            <a:endParaRPr lang="en-US"/>
-          </a:p>
-        </p:txBody>
-      </p:sp>
-      <p:sp>
-        <p:nvSpPr>
-          <p:cNvPr id="2" name="Titel 1"/>
-          <p:cNvSpPr>
-            <a:spLocks noGrp="1"/>
-          </p:cNvSpPr>
-          <p:nvPr>
-            <p:ph type="title"/>
-          </p:nvPr>
-        </p:nvSpPr>
-        <p:spPr>
-          <a:xfrm>
-            <a:off x="420930" y="165917"/>
-            <a:ext cx="10515600" cy="687633"/>
-          </a:xfrm>
-        </p:spPr>
-        <p:txBody>
-          <a:bodyPr>
-            <a:normAutofit/>
-          </a:bodyPr>
-          <a:lstStyle/>
-          <a:p>
-            <a:r>
-              <a:rPr lang="en-US" sz="3200" b="1" dirty="0"/>
-              <a:t>Recap</a:t>
-            </a:r>
-            <a:endParaRPr lang="en-US" sz="1800" b="1" dirty="0"/>
-          </a:p>
-        </p:txBody>
-      </p:sp>
-      <p:sp>
-        <p:nvSpPr>
-          <p:cNvPr id="27" name="Rechteck 26"/>
-          <p:cNvSpPr/>
-          <p:nvPr/>
-        </p:nvSpPr>
-        <p:spPr>
-          <a:xfrm>
-            <a:off x="9605948" y="1088204"/>
-            <a:ext cx="1699572" cy="369332"/>
-          </a:xfrm>
-          <a:prstGeom prst="rect">
-            <a:avLst/>
-          </a:prstGeom>
-          <a:solidFill>
-            <a:schemeClr val="bg1"/>
-          </a:solidFill>
-        </p:spPr>
-        <p:txBody>
-          <a:bodyPr wrap="square">
-            <a:spAutoFit/>
-          </a:bodyPr>
-          <a:lstStyle/>
-          <a:p>
-            <a:pPr algn="ctr"/>
-            <a:r>
-              <a:rPr lang="en-US" dirty="0">
-                <a:solidFill>
-                  <a:schemeClr val="bg1">
-                    <a:lumMod val="50000"/>
-                  </a:schemeClr>
-                </a:solidFill>
-                <a:cs typeface="Consolas" panose="020B0609020204030204" pitchFamily="49" charset="0"/>
-              </a:rPr>
-              <a:t>client process</a:t>
-            </a:r>
-          </a:p>
-        </p:txBody>
-      </p:sp>
-      <p:sp>
-        <p:nvSpPr>
-          <p:cNvPr id="9" name="Inhaltsplatzhalter 2"/>
-          <p:cNvSpPr>
-            <a:spLocks noGrp="1"/>
-          </p:cNvSpPr>
-          <p:nvPr>
-            <p:ph idx="1"/>
-          </p:nvPr>
-        </p:nvSpPr>
-        <p:spPr>
-          <a:xfrm>
-            <a:off x="416332" y="1203644"/>
-            <a:ext cx="8603843" cy="4399988"/>
-          </a:xfrm>
-        </p:spPr>
-        <p:txBody>
-          <a:bodyPr>
-            <a:noAutofit/>
-          </a:bodyPr>
-          <a:lstStyle/>
-          <a:p>
-            <a:r>
-              <a:rPr lang="en-US" sz="3000" dirty="0"/>
-              <a:t>a</a:t>
-            </a:r>
-            <a:r>
-              <a:rPr lang="en-US" sz="3000" dirty="0">
-                <a:solidFill>
-                  <a:srgbClr val="C00000"/>
-                </a:solidFill>
-              </a:rPr>
-              <a:t> small </a:t>
-            </a:r>
-            <a:r>
-              <a:rPr lang="en-US" sz="3000" dirty="0"/>
-              <a:t>software library (Java, </a:t>
-            </a:r>
-            <a:r>
-              <a:rPr lang="en-US" sz="3000" dirty="0" err="1"/>
-              <a:t>TypeScript</a:t>
-            </a:r>
-            <a:r>
-              <a:rPr lang="en-US" sz="3000" dirty="0"/>
-              <a:t>, Python)</a:t>
-            </a:r>
-          </a:p>
-          <a:p>
-            <a:pPr>
-              <a:buClr>
-                <a:schemeClr val="tx1"/>
-              </a:buClr>
-            </a:pPr>
-            <a:r>
-              <a:rPr lang="en-US" sz="3000" dirty="0">
-                <a:solidFill>
-                  <a:srgbClr val="C00000"/>
-                </a:solidFill>
-              </a:rPr>
-              <a:t>efficient</a:t>
-            </a:r>
-            <a:r>
-              <a:rPr lang="en-US" sz="3000" dirty="0"/>
-              <a:t> peer-to-peer communication (</a:t>
-            </a:r>
-            <a:r>
-              <a:rPr lang="en-US" sz="3000" dirty="0" err="1"/>
-              <a:t>FastSerializer</a:t>
-            </a:r>
-            <a:r>
-              <a:rPr lang="en-US" sz="3000" dirty="0"/>
-              <a:t>)</a:t>
-            </a:r>
-          </a:p>
-          <a:p>
-            <a:r>
-              <a:rPr lang="en-US" sz="3000" dirty="0"/>
-              <a:t>explicit type-safe contract with DTOs and interfaces</a:t>
-            </a:r>
-          </a:p>
-          <a:p>
-            <a:r>
-              <a:rPr lang="en-US" sz="3000" dirty="0"/>
-              <a:t>Interceptor</a:t>
-            </a:r>
-          </a:p>
-          <a:p>
-            <a:r>
-              <a:rPr lang="en-US" sz="3000" dirty="0"/>
-              <a:t>session based, bidirectional message streaming</a:t>
-            </a:r>
-            <a:br>
-              <a:rPr lang="en-US" sz="3000" dirty="0"/>
-            </a:br>
-            <a:r>
-              <a:rPr lang="en-US" sz="3200" dirty="0"/>
-              <a:t>(sync/</a:t>
-            </a:r>
-            <a:r>
-              <a:rPr lang="en-US" sz="3200" dirty="0" err="1"/>
-              <a:t>async</a:t>
-            </a:r>
-            <a:r>
-              <a:rPr lang="en-US" sz="3200" dirty="0"/>
-              <a:t>, </a:t>
-            </a:r>
-            <a:r>
-              <a:rPr lang="en-US" sz="3200" dirty="0" err="1"/>
-              <a:t>oneway</a:t>
-            </a:r>
-            <a:r>
-              <a:rPr lang="en-US" sz="3200" dirty="0"/>
-              <a:t>/</a:t>
-            </a:r>
-            <a:r>
-              <a:rPr lang="en-US" sz="3200" dirty="0" err="1"/>
-              <a:t>rpc</a:t>
-            </a:r>
-            <a:r>
-              <a:rPr lang="en-US" sz="3200" dirty="0"/>
-              <a:t>)</a:t>
-            </a:r>
-            <a:endParaRPr lang="en-US" sz="3000" dirty="0"/>
-          </a:p>
-          <a:p>
-            <a:pPr>
-              <a:buClr>
-                <a:schemeClr val="tx1"/>
-              </a:buClr>
-            </a:pPr>
-            <a:r>
-              <a:rPr lang="en-US" sz="3000" dirty="0">
-                <a:solidFill>
-                  <a:srgbClr val="C00000"/>
-                </a:solidFill>
-              </a:rPr>
-              <a:t>TCP/IP Socket </a:t>
-            </a:r>
-            <a:r>
-              <a:rPr lang="en-US" sz="3000" dirty="0"/>
-              <a:t>and </a:t>
-            </a:r>
-            <a:r>
-              <a:rPr lang="en-US" sz="3000" dirty="0" err="1">
-                <a:solidFill>
-                  <a:srgbClr val="C00000"/>
-                </a:solidFill>
-              </a:rPr>
-              <a:t>WebSocket</a:t>
-            </a:r>
-            <a:r>
-              <a:rPr lang="en-US" sz="3000" dirty="0">
-                <a:solidFill>
-                  <a:srgbClr val="C00000"/>
-                </a:solidFill>
-              </a:rPr>
-              <a:t> </a:t>
-            </a:r>
-            <a:r>
-              <a:rPr lang="en-US" sz="3000" dirty="0"/>
-              <a:t>transports</a:t>
-            </a:r>
-          </a:p>
-          <a:p>
-            <a:r>
-              <a:rPr lang="en-US" sz="3000" dirty="0"/>
-              <a:t>Open Source: </a:t>
-            </a:r>
-            <a:r>
-              <a:rPr lang="en-US" sz="3000" dirty="0">
-                <a:solidFill>
-                  <a:srgbClr val="C00000"/>
-                </a:solidFill>
-              </a:rPr>
-              <a:t>https://github.com/softappeal/yass</a:t>
-            </a:r>
-          </a:p>
-        </p:txBody>
-      </p:sp>
-      <p:sp>
-        <p:nvSpPr>
-          <p:cNvPr id="4" name="Abgerundetes Rechteck 3"/>
-          <p:cNvSpPr/>
-          <p:nvPr/>
-        </p:nvSpPr>
-        <p:spPr>
-          <a:xfrm>
-            <a:off x="9771270" y="1629074"/>
-            <a:ext cx="1416050" cy="560784"/>
-          </a:xfrm>
-          <a:prstGeom prst="roundRect">
-            <a:avLst/>
-          </a:prstGeom>
-          <a:solidFill>
-            <a:schemeClr val="accent1">
-              <a:lumMod val="75000"/>
-            </a:schemeClr>
-          </a:solidFill>
-          <a:ln>
-            <a:noFill/>
-          </a:ln>
-        </p:spPr>
-        <p:style>
-          <a:lnRef idx="2">
-            <a:schemeClr val="accent1">
-              <a:shade val="50000"/>
-            </a:schemeClr>
-          </a:lnRef>
-          <a:fillRef idx="1">
-            <a:schemeClr val="accent1"/>
-          </a:fillRef>
-          <a:effectRef idx="0">
-            <a:schemeClr val="accent1"/>
-          </a:effectRef>
-          <a:fontRef idx="minor">
-            <a:schemeClr val="lt1"/>
-          </a:fontRef>
-        </p:style>
-        <p:txBody>
-          <a:bodyPr rtlCol="0" anchor="ctr"/>
-          <a:lstStyle/>
-          <a:p>
-            <a:pPr algn="ctr"/>
-            <a:r>
-              <a:rPr lang="en-US" sz="1600" dirty="0"/>
-              <a:t>Client</a:t>
-            </a:r>
-          </a:p>
-          <a:p>
-            <a:pPr algn="ctr"/>
-            <a:r>
-              <a:rPr lang="en-US" sz="1600" dirty="0"/>
-              <a:t>Application</a:t>
-            </a:r>
-          </a:p>
-        </p:txBody>
-      </p:sp>
-      <p:sp>
-        <p:nvSpPr>
-          <p:cNvPr id="12" name="Abgerundetes Rechteck 11"/>
-          <p:cNvSpPr/>
-          <p:nvPr/>
-        </p:nvSpPr>
-        <p:spPr>
-          <a:xfrm>
-            <a:off x="9771270" y="2279392"/>
-            <a:ext cx="1416050" cy="264200"/>
-          </a:xfrm>
-          <a:prstGeom prst="roundRect">
-            <a:avLst/>
-          </a:prstGeom>
-          <a:solidFill>
-            <a:schemeClr val="accent6">
-              <a:lumMod val="75000"/>
-            </a:schemeClr>
-          </a:solidFill>
-          <a:ln>
-            <a:noFill/>
-          </a:ln>
-        </p:spPr>
-        <p:style>
-          <a:lnRef idx="2">
-            <a:schemeClr val="accent1">
-              <a:shade val="50000"/>
-            </a:schemeClr>
-          </a:lnRef>
-          <a:fillRef idx="1">
-            <a:schemeClr val="accent1"/>
-          </a:fillRef>
-          <a:effectRef idx="0">
-            <a:schemeClr val="accent1"/>
-          </a:effectRef>
-          <a:fontRef idx="minor">
-            <a:schemeClr val="lt1"/>
-          </a:fontRef>
-        </p:style>
-        <p:txBody>
-          <a:bodyPr rtlCol="0" anchor="ctr"/>
-          <a:lstStyle/>
-          <a:p>
-            <a:pPr algn="ctr"/>
-            <a:r>
-              <a:rPr lang="en-US" sz="1600" dirty="0"/>
-              <a:t>Contract</a:t>
-            </a:r>
-          </a:p>
-        </p:txBody>
-      </p:sp>
-      <p:sp>
-        <p:nvSpPr>
-          <p:cNvPr id="14" name="Abgerundetes Rechteck 13"/>
-          <p:cNvSpPr/>
-          <p:nvPr/>
-        </p:nvSpPr>
-        <p:spPr>
-          <a:xfrm>
-            <a:off x="9771270" y="2618442"/>
-            <a:ext cx="1416050" cy="268050"/>
-          </a:xfrm>
-          <a:prstGeom prst="roundRect">
-            <a:avLst/>
-          </a:prstGeom>
-          <a:solidFill>
-            <a:schemeClr val="accent4">
-              <a:lumMod val="75000"/>
-            </a:schemeClr>
-          </a:solidFill>
-          <a:ln>
-            <a:noFill/>
-          </a:ln>
-        </p:spPr>
-        <p:style>
-          <a:lnRef idx="2">
-            <a:schemeClr val="accent1">
-              <a:shade val="50000"/>
-            </a:schemeClr>
-          </a:lnRef>
-          <a:fillRef idx="1">
-            <a:schemeClr val="accent1"/>
-          </a:fillRef>
-          <a:effectRef idx="0">
-            <a:schemeClr val="accent1"/>
-          </a:effectRef>
-          <a:fontRef idx="minor">
-            <a:schemeClr val="lt1"/>
-          </a:fontRef>
-        </p:style>
-        <p:txBody>
-          <a:bodyPr rtlCol="0" anchor="ctr"/>
-          <a:lstStyle/>
-          <a:p>
-            <a:pPr algn="ctr"/>
-            <a:r>
-              <a:rPr lang="en-US" sz="1600" dirty="0" err="1"/>
-              <a:t>yass</a:t>
-            </a:r>
-            <a:endParaRPr lang="en-US" sz="1600" dirty="0"/>
-          </a:p>
-        </p:txBody>
-      </p:sp>
-      <p:sp>
-        <p:nvSpPr>
-          <p:cNvPr id="17" name="Rechteck 16"/>
-          <p:cNvSpPr/>
-          <p:nvPr/>
-        </p:nvSpPr>
-        <p:spPr>
-          <a:xfrm>
-            <a:off x="9646810" y="5939759"/>
-            <a:ext cx="1715221" cy="369332"/>
-          </a:xfrm>
-          <a:prstGeom prst="rect">
-            <a:avLst/>
-          </a:prstGeom>
-          <a:solidFill>
-            <a:schemeClr val="bg1"/>
-          </a:solidFill>
-        </p:spPr>
-        <p:txBody>
-          <a:bodyPr wrap="square">
-            <a:spAutoFit/>
-          </a:bodyPr>
-          <a:lstStyle/>
-          <a:p>
-            <a:pPr algn="ctr"/>
-            <a:r>
-              <a:rPr lang="en-US" dirty="0">
-                <a:solidFill>
-                  <a:schemeClr val="bg1">
-                    <a:lumMod val="50000"/>
-                  </a:schemeClr>
-                </a:solidFill>
-                <a:cs typeface="Consolas" panose="020B0609020204030204" pitchFamily="49" charset="0"/>
-              </a:rPr>
-              <a:t>server process</a:t>
-            </a:r>
-          </a:p>
-        </p:txBody>
-      </p:sp>
-      <p:sp>
-        <p:nvSpPr>
-          <p:cNvPr id="22" name="Abgerundetes Rechteck 21"/>
-          <p:cNvSpPr/>
-          <p:nvPr/>
-        </p:nvSpPr>
-        <p:spPr>
-          <a:xfrm>
-            <a:off x="9580770" y="4351158"/>
-            <a:ext cx="1797050" cy="1576933"/>
-          </a:xfrm>
-          <a:prstGeom prst="roundRect">
-            <a:avLst/>
-          </a:prstGeom>
-          <a:solidFill>
-            <a:schemeClr val="bg1">
-              <a:lumMod val="65000"/>
-            </a:schemeClr>
-          </a:solidFill>
-          <a:ln>
-            <a:noFill/>
-          </a:ln>
-        </p:spPr>
-        <p:style>
-          <a:lnRef idx="2">
-            <a:schemeClr val="accent1">
-              <a:shade val="50000"/>
-            </a:schemeClr>
-          </a:lnRef>
-          <a:fillRef idx="1">
-            <a:schemeClr val="accent1"/>
-          </a:fillRef>
-          <a:effectRef idx="0">
-            <a:schemeClr val="accent1"/>
-          </a:effectRef>
-          <a:fontRef idx="minor">
-            <a:schemeClr val="lt1"/>
-          </a:fontRef>
-        </p:style>
-        <p:txBody>
-          <a:bodyPr rtlCol="0" anchor="ctr"/>
-          <a:lstStyle/>
-          <a:p>
-            <a:pPr algn="ctr"/>
-            <a:endParaRPr lang="en-US"/>
-          </a:p>
-        </p:txBody>
-      </p:sp>
-      <p:sp>
-        <p:nvSpPr>
-          <p:cNvPr id="23" name="Abgerundetes Rechteck 22"/>
-          <p:cNvSpPr/>
-          <p:nvPr/>
-        </p:nvSpPr>
-        <p:spPr>
-          <a:xfrm>
-            <a:off x="9745869" y="5251716"/>
-            <a:ext cx="1416050" cy="560784"/>
-          </a:xfrm>
-          <a:prstGeom prst="roundRect">
-            <a:avLst/>
-          </a:prstGeom>
-          <a:solidFill>
-            <a:schemeClr val="accent1">
-              <a:lumMod val="75000"/>
-            </a:schemeClr>
-          </a:solidFill>
-          <a:ln>
-            <a:noFill/>
-          </a:ln>
-        </p:spPr>
-        <p:style>
-          <a:lnRef idx="2">
-            <a:schemeClr val="accent1">
-              <a:shade val="50000"/>
-            </a:schemeClr>
-          </a:lnRef>
-          <a:fillRef idx="1">
-            <a:schemeClr val="accent1"/>
-          </a:fillRef>
-          <a:effectRef idx="0">
-            <a:schemeClr val="accent1"/>
-          </a:effectRef>
-          <a:fontRef idx="minor">
-            <a:schemeClr val="lt1"/>
-          </a:fontRef>
-        </p:style>
-        <p:txBody>
-          <a:bodyPr rtlCol="0" anchor="ctr"/>
-          <a:lstStyle/>
-          <a:p>
-            <a:pPr algn="ctr"/>
-            <a:r>
-              <a:rPr lang="en-US" sz="1600" dirty="0"/>
-              <a:t>Server</a:t>
-            </a:r>
-          </a:p>
-          <a:p>
-            <a:pPr algn="ctr"/>
-            <a:r>
-              <a:rPr lang="en-US" sz="1600" dirty="0"/>
-              <a:t>Application</a:t>
-            </a:r>
-          </a:p>
-        </p:txBody>
-      </p:sp>
-      <p:sp>
-        <p:nvSpPr>
-          <p:cNvPr id="24" name="Abgerundetes Rechteck 23"/>
-          <p:cNvSpPr/>
-          <p:nvPr/>
-        </p:nvSpPr>
-        <p:spPr>
-          <a:xfrm>
-            <a:off x="9771270" y="4901891"/>
-            <a:ext cx="1416050" cy="264200"/>
-          </a:xfrm>
-          <a:prstGeom prst="roundRect">
-            <a:avLst/>
-          </a:prstGeom>
-          <a:solidFill>
-            <a:schemeClr val="accent6">
-              <a:lumMod val="75000"/>
-            </a:schemeClr>
-          </a:solidFill>
-          <a:ln>
-            <a:noFill/>
-          </a:ln>
-        </p:spPr>
-        <p:style>
-          <a:lnRef idx="2">
-            <a:schemeClr val="accent1">
-              <a:shade val="50000"/>
-            </a:schemeClr>
-          </a:lnRef>
-          <a:fillRef idx="1">
-            <a:schemeClr val="accent1"/>
-          </a:fillRef>
-          <a:effectRef idx="0">
-            <a:schemeClr val="accent1"/>
-          </a:effectRef>
-          <a:fontRef idx="minor">
-            <a:schemeClr val="lt1"/>
-          </a:fontRef>
-        </p:style>
-        <p:txBody>
-          <a:bodyPr rtlCol="0" anchor="ctr"/>
-          <a:lstStyle/>
-          <a:p>
-            <a:pPr algn="ctr"/>
-            <a:r>
-              <a:rPr lang="en-US" sz="1600" dirty="0"/>
-              <a:t>Contract</a:t>
-            </a:r>
-          </a:p>
-        </p:txBody>
-      </p:sp>
-      <p:sp>
-        <p:nvSpPr>
-          <p:cNvPr id="28" name="Abgerundetes Rechteck 27"/>
-          <p:cNvSpPr/>
-          <p:nvPr/>
-        </p:nvSpPr>
-        <p:spPr>
-          <a:xfrm>
-            <a:off x="9771270" y="4523391"/>
-            <a:ext cx="1416050" cy="268050"/>
-          </a:xfrm>
-          <a:prstGeom prst="roundRect">
-            <a:avLst/>
-          </a:prstGeom>
-          <a:solidFill>
-            <a:schemeClr val="accent4">
-              <a:lumMod val="75000"/>
-            </a:schemeClr>
-          </a:solidFill>
-          <a:ln>
-            <a:noFill/>
-          </a:ln>
-        </p:spPr>
-        <p:style>
-          <a:lnRef idx="2">
-            <a:schemeClr val="accent1">
-              <a:shade val="50000"/>
-            </a:schemeClr>
-          </a:lnRef>
-          <a:fillRef idx="1">
-            <a:schemeClr val="accent1"/>
-          </a:fillRef>
-          <a:effectRef idx="0">
-            <a:schemeClr val="accent1"/>
-          </a:effectRef>
-          <a:fontRef idx="minor">
-            <a:schemeClr val="lt1"/>
-          </a:fontRef>
-        </p:style>
-        <p:txBody>
-          <a:bodyPr rtlCol="0" anchor="ctr"/>
-          <a:lstStyle/>
-          <a:p>
-            <a:pPr algn="ctr"/>
-            <a:r>
-              <a:rPr lang="en-US" sz="1600" dirty="0" err="1"/>
-              <a:t>yass</a:t>
-            </a:r>
-            <a:endParaRPr lang="en-US" sz="1600" dirty="0"/>
-          </a:p>
-        </p:txBody>
-      </p:sp>
-      <p:sp>
-        <p:nvSpPr>
-          <p:cNvPr id="11" name="Pfeil nach unten 10"/>
-          <p:cNvSpPr/>
-          <p:nvPr/>
-        </p:nvSpPr>
-        <p:spPr>
-          <a:xfrm>
-            <a:off x="9964944" y="3525440"/>
-            <a:ext cx="977900" cy="822265"/>
-          </a:xfrm>
-          <a:prstGeom prst="downArrow">
-            <a:avLst/>
-          </a:prstGeom>
-          <a:solidFill>
-            <a:schemeClr val="accent4">
-              <a:lumMod val="40000"/>
-              <a:lumOff val="60000"/>
-            </a:schemeClr>
-          </a:solidFill>
-          <a:ln>
-            <a:noFill/>
-          </a:ln>
-        </p:spPr>
-        <p:style>
-          <a:lnRef idx="2">
-            <a:schemeClr val="accent1">
-              <a:shade val="50000"/>
-            </a:schemeClr>
-          </a:lnRef>
-          <a:fillRef idx="1">
-            <a:schemeClr val="accent1"/>
-          </a:fillRef>
-          <a:effectRef idx="0">
-            <a:schemeClr val="accent1"/>
-          </a:effectRef>
-          <a:fontRef idx="minor">
-            <a:schemeClr val="lt1"/>
-          </a:fontRef>
-        </p:style>
-        <p:txBody>
-          <a:bodyPr rtlCol="0" anchor="ctr"/>
-          <a:lstStyle/>
-          <a:p>
-            <a:pPr algn="ctr"/>
-            <a:endParaRPr lang="en-US"/>
-          </a:p>
-        </p:txBody>
-      </p:sp>
-      <p:sp>
-        <p:nvSpPr>
-          <p:cNvPr id="29" name="Pfeil nach unten 28"/>
-          <p:cNvSpPr/>
-          <p:nvPr/>
-        </p:nvSpPr>
-        <p:spPr>
-          <a:xfrm flipV="1">
-            <a:off x="9964584" y="3053997"/>
-            <a:ext cx="977900" cy="822265"/>
-          </a:xfrm>
-          <a:prstGeom prst="downArrow">
-            <a:avLst/>
-          </a:prstGeom>
-          <a:solidFill>
-            <a:schemeClr val="accent4">
-              <a:lumMod val="40000"/>
-              <a:lumOff val="60000"/>
-            </a:schemeClr>
-          </a:solidFill>
-          <a:ln>
-            <a:noFill/>
-          </a:ln>
-        </p:spPr>
-        <p:style>
-          <a:lnRef idx="2">
-            <a:schemeClr val="accent1">
-              <a:shade val="50000"/>
-            </a:schemeClr>
-          </a:lnRef>
-          <a:fillRef idx="1">
-            <a:schemeClr val="accent1"/>
-          </a:fillRef>
-          <a:effectRef idx="0">
-            <a:schemeClr val="accent1"/>
-          </a:effectRef>
-          <a:fontRef idx="minor">
-            <a:schemeClr val="lt1"/>
-          </a:fontRef>
-        </p:style>
-        <p:txBody>
-          <a:bodyPr rtlCol="0" anchor="ctr"/>
-          <a:lstStyle/>
-          <a:p>
-            <a:pPr algn="ctr"/>
-            <a:endParaRPr lang="en-US"/>
-          </a:p>
-        </p:txBody>
-      </p:sp>
-      <p:grpSp>
-        <p:nvGrpSpPr>
-          <p:cNvPr id="3" name="Gruppieren 2"/>
-          <p:cNvGrpSpPr/>
-          <p:nvPr/>
-        </p:nvGrpSpPr>
-        <p:grpSpPr>
-          <a:xfrm>
-            <a:off x="10319710" y="3212475"/>
-            <a:ext cx="1486375" cy="984967"/>
-            <a:chOff x="9986335" y="3212475"/>
-            <a:chExt cx="1486375" cy="984967"/>
-          </a:xfrm>
-        </p:grpSpPr>
-        <p:pic>
-          <p:nvPicPr>
-            <p:cNvPr id="6" name="Grafik 5"/>
-            <p:cNvPicPr>
-              <a:picLocks noChangeAspect="1"/>
-            </p:cNvPicPr>
-            <p:nvPr/>
-          </p:nvPicPr>
-          <p:blipFill>
-            <a:blip r:embed="rId2">
-              <a:extLst>
-                <a:ext uri="{28A0092B-C50C-407E-A947-70E740481C1C}">
-                  <a14:useLocalDpi xmlns:a14="http://schemas.microsoft.com/office/drawing/2010/main" val="0"/>
-                </a:ext>
-              </a:extLst>
-            </a:blip>
-            <a:stretch>
-              <a:fillRect/>
-            </a:stretch>
-          </p:blipFill>
-          <p:spPr>
-            <a:xfrm>
-              <a:off x="9989510" y="3212475"/>
-              <a:ext cx="264180" cy="264180"/>
-            </a:xfrm>
-            <a:prstGeom prst="rect">
-              <a:avLst/>
-            </a:prstGeom>
-          </p:spPr>
-        </p:pic>
-        <p:pic>
-          <p:nvPicPr>
-            <p:cNvPr id="30" name="Grafik 29"/>
-            <p:cNvPicPr>
-              <a:picLocks noChangeAspect="1"/>
-            </p:cNvPicPr>
-            <p:nvPr/>
-          </p:nvPicPr>
-          <p:blipFill>
-            <a:blip r:embed="rId2">
-              <a:extLst>
-                <a:ext uri="{28A0092B-C50C-407E-A947-70E740481C1C}">
-                  <a14:useLocalDpi xmlns:a14="http://schemas.microsoft.com/office/drawing/2010/main" val="0"/>
-                </a:ext>
-              </a:extLst>
-            </a:blip>
-            <a:stretch>
-              <a:fillRect/>
-            </a:stretch>
-          </p:blipFill>
-          <p:spPr>
-            <a:xfrm>
-              <a:off x="9986335" y="3554391"/>
-              <a:ext cx="264180" cy="264180"/>
-            </a:xfrm>
-            <a:prstGeom prst="rect">
-              <a:avLst/>
-            </a:prstGeom>
-          </p:spPr>
-        </p:pic>
-        <p:pic>
-          <p:nvPicPr>
-            <p:cNvPr id="31" name="Grafik 30"/>
-            <p:cNvPicPr>
-              <a:picLocks noChangeAspect="1"/>
-            </p:cNvPicPr>
-            <p:nvPr/>
-          </p:nvPicPr>
-          <p:blipFill>
-            <a:blip r:embed="rId2">
-              <a:extLst>
-                <a:ext uri="{28A0092B-C50C-407E-A947-70E740481C1C}">
-                  <a14:useLocalDpi xmlns:a14="http://schemas.microsoft.com/office/drawing/2010/main" val="0"/>
-                </a:ext>
-              </a:extLst>
-            </a:blip>
-            <a:stretch>
-              <a:fillRect/>
-            </a:stretch>
-          </p:blipFill>
-          <p:spPr>
-            <a:xfrm>
-              <a:off x="9989330" y="3933262"/>
-              <a:ext cx="264180" cy="264180"/>
-            </a:xfrm>
-            <a:prstGeom prst="rect">
-              <a:avLst/>
-            </a:prstGeom>
-          </p:spPr>
-        </p:pic>
-        <p:sp>
-          <p:nvSpPr>
-            <p:cNvPr id="32" name="Rechteck 31"/>
-            <p:cNvSpPr/>
-            <p:nvPr/>
-          </p:nvSpPr>
-          <p:spPr>
-            <a:xfrm>
-              <a:off x="10605281" y="3483319"/>
-              <a:ext cx="867429" cy="369332"/>
-            </a:xfrm>
-            <a:prstGeom prst="rect">
-              <a:avLst/>
-            </a:prstGeom>
-            <a:solidFill>
-              <a:schemeClr val="bg1"/>
-            </a:solidFill>
-          </p:spPr>
-          <p:txBody>
-            <a:bodyPr wrap="square">
-              <a:spAutoFit/>
-            </a:bodyPr>
-            <a:lstStyle/>
-            <a:p>
-              <a:r>
-                <a:rPr lang="en-US" dirty="0">
-                  <a:solidFill>
-                    <a:schemeClr val="bg1">
-                      <a:lumMod val="50000"/>
-                    </a:schemeClr>
-                  </a:solidFill>
-                  <a:cs typeface="Consolas" panose="020B0609020204030204" pitchFamily="49" charset="0"/>
-                </a:rPr>
-                <a:t>session</a:t>
-              </a:r>
-            </a:p>
-          </p:txBody>
-        </p:sp>
-      </p:grpSp>
-    </p:spTree>
-    <p:extLst>
-      <p:ext uri="{BB962C8B-B14F-4D97-AF65-F5344CB8AC3E}">
-        <p14:creationId xmlns:p14="http://schemas.microsoft.com/office/powerpoint/2010/main" val="2007629511"/>
-      </p:ext>
-    </p:extLst>
-  </p:cSld>
-  <p:clrMapOvr>
-    <a:masterClrMapping/>
-  </p:clrMapOvr>
-  <p:timing>
-    <p:tnLst>
-      <p:par>
-        <p:cTn id="1" dur="indefinite" restart="never" nodeType="tmRoot">
-          <p:childTnLst>
-            <p:seq concurrent="1" nextAc="seek">
-              <p:cTn id="2" dur="indefinite" nodeType="mainSeq">
-                <p:childTnLst>
-                  <p:par>
-                    <p:cTn id="3" fill="hold">
-                      <p:stCondLst>
-                        <p:cond delay="indefinite"/>
-                      </p:stCondLst>
-                      <p:childTnLst>
-                        <p:par>
-                          <p:cTn id="4" fill="hold">
-                            <p:stCondLst>
-                              <p:cond delay="0"/>
-                            </p:stCondLst>
-                            <p:childTnLst>
-                              <p:par>
-                                <p:cTn id="5" presetID="53" presetClass="entr" presetSubtype="16" fill="hold" grpId="0" nodeType="clickEffect">
-                                  <p:stCondLst>
-                                    <p:cond delay="0"/>
-                                  </p:stCondLst>
-                                  <p:childTnLst>
-                                    <p:set>
-                                      <p:cBhvr>
-                                        <p:cTn id="6" dur="1" fill="hold">
-                                          <p:stCondLst>
-                                            <p:cond delay="0"/>
-                                          </p:stCondLst>
-                                        </p:cTn>
-                                        <p:tgtEl>
-                                          <p:spTgt spid="9">
-                                            <p:txEl>
-                                              <p:pRg st="0" end="0"/>
-                                            </p:txEl>
-                                          </p:spTgt>
-                                        </p:tgtEl>
-                                        <p:attrNameLst>
-                                          <p:attrName>style.visibility</p:attrName>
-                                        </p:attrNameLst>
-                                      </p:cBhvr>
-                                      <p:to>
-                                        <p:strVal val="visible"/>
-                                      </p:to>
-                                    </p:set>
-                                    <p:anim calcmode="lin" valueType="num">
-                                      <p:cBhvr>
-                                        <p:cTn id="7" dur="500" fill="hold"/>
-                                        <p:tgtEl>
-                                          <p:spTgt spid="9">
-                                            <p:txEl>
-                                              <p:pRg st="0" end="0"/>
-                                            </p:txEl>
-                                          </p:spTgt>
-                                        </p:tgtEl>
-                                        <p:attrNameLst>
-                                          <p:attrName>ppt_w</p:attrName>
-                                        </p:attrNameLst>
-                                      </p:cBhvr>
-                                      <p:tavLst>
-                                        <p:tav tm="0">
-                                          <p:val>
-                                            <p:fltVal val="0"/>
-                                          </p:val>
-                                        </p:tav>
-                                        <p:tav tm="100000">
-                                          <p:val>
-                                            <p:strVal val="#ppt_w"/>
-                                          </p:val>
-                                        </p:tav>
-                                      </p:tavLst>
-                                    </p:anim>
-                                    <p:anim calcmode="lin" valueType="num">
-                                      <p:cBhvr>
-                                        <p:cTn id="8" dur="500" fill="hold"/>
-                                        <p:tgtEl>
-                                          <p:spTgt spid="9">
-                                            <p:txEl>
-                                              <p:pRg st="0" end="0"/>
-                                            </p:txEl>
-                                          </p:spTgt>
-                                        </p:tgtEl>
-                                        <p:attrNameLst>
-                                          <p:attrName>ppt_h</p:attrName>
-                                        </p:attrNameLst>
-                                      </p:cBhvr>
-                                      <p:tavLst>
-                                        <p:tav tm="0">
-                                          <p:val>
-                                            <p:fltVal val="0"/>
-                                          </p:val>
-                                        </p:tav>
-                                        <p:tav tm="100000">
-                                          <p:val>
-                                            <p:strVal val="#ppt_h"/>
-                                          </p:val>
-                                        </p:tav>
-                                      </p:tavLst>
-                                    </p:anim>
-                                    <p:animEffect transition="in" filter="fade">
-                                      <p:cBhvr>
-                                        <p:cTn id="9" dur="500"/>
-                                        <p:tgtEl>
-                                          <p:spTgt spid="9">
-                                            <p:txEl>
-                                              <p:pRg st="0" end="0"/>
-                                            </p:txEl>
-                                          </p:spTgt>
-                                        </p:tgtEl>
-                                      </p:cBhvr>
-                                    </p:animEffect>
-                                  </p:childTnLst>
-                                </p:cTn>
-                              </p:par>
-                              <p:par>
-                                <p:cTn id="10" presetID="53" presetClass="entr" presetSubtype="16" fill="hold" grpId="0" nodeType="withEffect">
-                                  <p:stCondLst>
-                                    <p:cond delay="0"/>
-                                  </p:stCondLst>
-                                  <p:childTnLst>
-                                    <p:set>
-                                      <p:cBhvr>
-                                        <p:cTn id="11" dur="1" fill="hold">
-                                          <p:stCondLst>
-                                            <p:cond delay="0"/>
-                                          </p:stCondLst>
-                                        </p:cTn>
-                                        <p:tgtEl>
-                                          <p:spTgt spid="9">
-                                            <p:txEl>
-                                              <p:pRg st="1" end="1"/>
-                                            </p:txEl>
-                                          </p:spTgt>
-                                        </p:tgtEl>
-                                        <p:attrNameLst>
-                                          <p:attrName>style.visibility</p:attrName>
-                                        </p:attrNameLst>
-                                      </p:cBhvr>
-                                      <p:to>
-                                        <p:strVal val="visible"/>
-                                      </p:to>
-                                    </p:set>
-                                    <p:anim calcmode="lin" valueType="num">
-                                      <p:cBhvr>
-                                        <p:cTn id="12" dur="500" fill="hold"/>
-                                        <p:tgtEl>
-                                          <p:spTgt spid="9">
-                                            <p:txEl>
-                                              <p:pRg st="1" end="1"/>
-                                            </p:txEl>
-                                          </p:spTgt>
-                                        </p:tgtEl>
-                                        <p:attrNameLst>
-                                          <p:attrName>ppt_w</p:attrName>
-                                        </p:attrNameLst>
-                                      </p:cBhvr>
-                                      <p:tavLst>
-                                        <p:tav tm="0">
-                                          <p:val>
-                                            <p:fltVal val="0"/>
-                                          </p:val>
-                                        </p:tav>
-                                        <p:tav tm="100000">
-                                          <p:val>
-                                            <p:strVal val="#ppt_w"/>
-                                          </p:val>
-                                        </p:tav>
-                                      </p:tavLst>
-                                    </p:anim>
-                                    <p:anim calcmode="lin" valueType="num">
-                                      <p:cBhvr>
-                                        <p:cTn id="13" dur="500" fill="hold"/>
-                                        <p:tgtEl>
-                                          <p:spTgt spid="9">
-                                            <p:txEl>
-                                              <p:pRg st="1" end="1"/>
-                                            </p:txEl>
-                                          </p:spTgt>
-                                        </p:tgtEl>
-                                        <p:attrNameLst>
-                                          <p:attrName>ppt_h</p:attrName>
-                                        </p:attrNameLst>
-                                      </p:cBhvr>
-                                      <p:tavLst>
-                                        <p:tav tm="0">
-                                          <p:val>
-                                            <p:fltVal val="0"/>
-                                          </p:val>
-                                        </p:tav>
-                                        <p:tav tm="100000">
-                                          <p:val>
-                                            <p:strVal val="#ppt_h"/>
-                                          </p:val>
-                                        </p:tav>
-                                      </p:tavLst>
-                                    </p:anim>
-                                    <p:animEffect transition="in" filter="fade">
-                                      <p:cBhvr>
-                                        <p:cTn id="14" dur="500"/>
-                                        <p:tgtEl>
-                                          <p:spTgt spid="9">
-                                            <p:txEl>
-                                              <p:pRg st="1" end="1"/>
-                                            </p:txEl>
-                                          </p:spTgt>
-                                        </p:tgtEl>
-                                      </p:cBhvr>
-                                    </p:animEffect>
-                                  </p:childTnLst>
-                                </p:cTn>
-                              </p:par>
-                              <p:par>
-                                <p:cTn id="15" presetID="53" presetClass="entr" presetSubtype="16" fill="hold" grpId="0" nodeType="withEffect">
-                                  <p:stCondLst>
-                                    <p:cond delay="0"/>
-                                  </p:stCondLst>
-                                  <p:childTnLst>
-                                    <p:set>
-                                      <p:cBhvr>
-                                        <p:cTn id="16" dur="1" fill="hold">
-                                          <p:stCondLst>
-                                            <p:cond delay="0"/>
-                                          </p:stCondLst>
-                                        </p:cTn>
-                                        <p:tgtEl>
-                                          <p:spTgt spid="5"/>
-                                        </p:tgtEl>
-                                        <p:attrNameLst>
-                                          <p:attrName>style.visibility</p:attrName>
-                                        </p:attrNameLst>
-                                      </p:cBhvr>
-                                      <p:to>
-                                        <p:strVal val="visible"/>
-                                      </p:to>
-                                    </p:set>
-                                    <p:anim calcmode="lin" valueType="num">
-                                      <p:cBhvr>
-                                        <p:cTn id="17" dur="500" fill="hold"/>
-                                        <p:tgtEl>
-                                          <p:spTgt spid="5"/>
-                                        </p:tgtEl>
-                                        <p:attrNameLst>
-                                          <p:attrName>ppt_w</p:attrName>
-                                        </p:attrNameLst>
-                                      </p:cBhvr>
-                                      <p:tavLst>
-                                        <p:tav tm="0">
-                                          <p:val>
-                                            <p:fltVal val="0"/>
-                                          </p:val>
-                                        </p:tav>
-                                        <p:tav tm="100000">
-                                          <p:val>
-                                            <p:strVal val="#ppt_w"/>
-                                          </p:val>
-                                        </p:tav>
-                                      </p:tavLst>
-                                    </p:anim>
-                                    <p:anim calcmode="lin" valueType="num">
-                                      <p:cBhvr>
-                                        <p:cTn id="18" dur="500" fill="hold"/>
-                                        <p:tgtEl>
-                                          <p:spTgt spid="5"/>
-                                        </p:tgtEl>
-                                        <p:attrNameLst>
-                                          <p:attrName>ppt_h</p:attrName>
-                                        </p:attrNameLst>
-                                      </p:cBhvr>
-                                      <p:tavLst>
-                                        <p:tav tm="0">
-                                          <p:val>
-                                            <p:fltVal val="0"/>
-                                          </p:val>
-                                        </p:tav>
-                                        <p:tav tm="100000">
-                                          <p:val>
-                                            <p:strVal val="#ppt_h"/>
-                                          </p:val>
-                                        </p:tav>
-                                      </p:tavLst>
-                                    </p:anim>
-                                    <p:animEffect transition="in" filter="fade">
-                                      <p:cBhvr>
-                                        <p:cTn id="19" dur="500"/>
-                                        <p:tgtEl>
-                                          <p:spTgt spid="5"/>
-                                        </p:tgtEl>
-                                      </p:cBhvr>
-                                    </p:animEffect>
-                                  </p:childTnLst>
-                                </p:cTn>
-                              </p:par>
-                              <p:par>
-                                <p:cTn id="20" presetID="53" presetClass="entr" presetSubtype="16" fill="hold" grpId="0" nodeType="withEffect">
-                                  <p:stCondLst>
-                                    <p:cond delay="0"/>
-                                  </p:stCondLst>
-                                  <p:childTnLst>
-                                    <p:set>
-                                      <p:cBhvr>
-                                        <p:cTn id="21" dur="1" fill="hold">
-                                          <p:stCondLst>
-                                            <p:cond delay="0"/>
-                                          </p:stCondLst>
-                                        </p:cTn>
-                                        <p:tgtEl>
-                                          <p:spTgt spid="27"/>
-                                        </p:tgtEl>
-                                        <p:attrNameLst>
-                                          <p:attrName>style.visibility</p:attrName>
-                                        </p:attrNameLst>
-                                      </p:cBhvr>
-                                      <p:to>
-                                        <p:strVal val="visible"/>
-                                      </p:to>
-                                    </p:set>
-                                    <p:anim calcmode="lin" valueType="num">
-                                      <p:cBhvr>
-                                        <p:cTn id="22" dur="500" fill="hold"/>
-                                        <p:tgtEl>
-                                          <p:spTgt spid="27"/>
-                                        </p:tgtEl>
-                                        <p:attrNameLst>
-                                          <p:attrName>ppt_w</p:attrName>
-                                        </p:attrNameLst>
-                                      </p:cBhvr>
-                                      <p:tavLst>
-                                        <p:tav tm="0">
-                                          <p:val>
-                                            <p:fltVal val="0"/>
-                                          </p:val>
-                                        </p:tav>
-                                        <p:tav tm="100000">
-                                          <p:val>
-                                            <p:strVal val="#ppt_w"/>
-                                          </p:val>
-                                        </p:tav>
-                                      </p:tavLst>
-                                    </p:anim>
-                                    <p:anim calcmode="lin" valueType="num">
-                                      <p:cBhvr>
-                                        <p:cTn id="23" dur="500" fill="hold"/>
-                                        <p:tgtEl>
-                                          <p:spTgt spid="27"/>
-                                        </p:tgtEl>
-                                        <p:attrNameLst>
-                                          <p:attrName>ppt_h</p:attrName>
-                                        </p:attrNameLst>
-                                      </p:cBhvr>
-                                      <p:tavLst>
-                                        <p:tav tm="0">
-                                          <p:val>
-                                            <p:fltVal val="0"/>
-                                          </p:val>
-                                        </p:tav>
-                                        <p:tav tm="100000">
-                                          <p:val>
-                                            <p:strVal val="#ppt_h"/>
-                                          </p:val>
-                                        </p:tav>
-                                      </p:tavLst>
-                                    </p:anim>
-                                    <p:animEffect transition="in" filter="fade">
-                                      <p:cBhvr>
-                                        <p:cTn id="24" dur="500"/>
-                                        <p:tgtEl>
-                                          <p:spTgt spid="27"/>
-                                        </p:tgtEl>
-                                      </p:cBhvr>
-                                    </p:animEffect>
-                                  </p:childTnLst>
-                                </p:cTn>
-                              </p:par>
-                              <p:par>
-                                <p:cTn id="25" presetID="53" presetClass="entr" presetSubtype="16" fill="hold" grpId="0" nodeType="withEffect">
-                                  <p:stCondLst>
-                                    <p:cond delay="0"/>
-                                  </p:stCondLst>
-                                  <p:childTnLst>
-                                    <p:set>
-                                      <p:cBhvr>
-                                        <p:cTn id="26" dur="1" fill="hold">
-                                          <p:stCondLst>
-                                            <p:cond delay="0"/>
-                                          </p:stCondLst>
-                                        </p:cTn>
-                                        <p:tgtEl>
-                                          <p:spTgt spid="4"/>
-                                        </p:tgtEl>
-                                        <p:attrNameLst>
-                                          <p:attrName>style.visibility</p:attrName>
-                                        </p:attrNameLst>
-                                      </p:cBhvr>
-                                      <p:to>
-                                        <p:strVal val="visible"/>
-                                      </p:to>
-                                    </p:set>
-                                    <p:anim calcmode="lin" valueType="num">
-                                      <p:cBhvr>
-                                        <p:cTn id="27" dur="500" fill="hold"/>
-                                        <p:tgtEl>
-                                          <p:spTgt spid="4"/>
-                                        </p:tgtEl>
-                                        <p:attrNameLst>
-                                          <p:attrName>ppt_w</p:attrName>
-                                        </p:attrNameLst>
-                                      </p:cBhvr>
-                                      <p:tavLst>
-                                        <p:tav tm="0">
-                                          <p:val>
-                                            <p:fltVal val="0"/>
-                                          </p:val>
-                                        </p:tav>
-                                        <p:tav tm="100000">
-                                          <p:val>
-                                            <p:strVal val="#ppt_w"/>
-                                          </p:val>
-                                        </p:tav>
-                                      </p:tavLst>
-                                    </p:anim>
-                                    <p:anim calcmode="lin" valueType="num">
-                                      <p:cBhvr>
-                                        <p:cTn id="28" dur="500" fill="hold"/>
-                                        <p:tgtEl>
-                                          <p:spTgt spid="4"/>
-                                        </p:tgtEl>
-                                        <p:attrNameLst>
-                                          <p:attrName>ppt_h</p:attrName>
-                                        </p:attrNameLst>
-                                      </p:cBhvr>
-                                      <p:tavLst>
-                                        <p:tav tm="0">
-                                          <p:val>
-                                            <p:fltVal val="0"/>
-                                          </p:val>
-                                        </p:tav>
-                                        <p:tav tm="100000">
-                                          <p:val>
-                                            <p:strVal val="#ppt_h"/>
-                                          </p:val>
-                                        </p:tav>
-                                      </p:tavLst>
-                                    </p:anim>
-                                    <p:animEffect transition="in" filter="fade">
-                                      <p:cBhvr>
-                                        <p:cTn id="29" dur="500"/>
-                                        <p:tgtEl>
-                                          <p:spTgt spid="4"/>
-                                        </p:tgtEl>
-                                      </p:cBhvr>
-                                    </p:animEffect>
-                                  </p:childTnLst>
-                                </p:cTn>
-                              </p:par>
-                              <p:par>
-                                <p:cTn id="30" presetID="53" presetClass="entr" presetSubtype="16" fill="hold" grpId="0" nodeType="withEffect">
-                                  <p:stCondLst>
-                                    <p:cond delay="0"/>
-                                  </p:stCondLst>
-                                  <p:childTnLst>
-                                    <p:set>
-                                      <p:cBhvr>
-                                        <p:cTn id="31" dur="1" fill="hold">
-                                          <p:stCondLst>
-                                            <p:cond delay="0"/>
-                                          </p:stCondLst>
-                                        </p:cTn>
-                                        <p:tgtEl>
-                                          <p:spTgt spid="14"/>
-                                        </p:tgtEl>
-                                        <p:attrNameLst>
-                                          <p:attrName>style.visibility</p:attrName>
-                                        </p:attrNameLst>
-                                      </p:cBhvr>
-                                      <p:to>
-                                        <p:strVal val="visible"/>
-                                      </p:to>
-                                    </p:set>
-                                    <p:anim calcmode="lin" valueType="num">
-                                      <p:cBhvr>
-                                        <p:cTn id="32" dur="500" fill="hold"/>
-                                        <p:tgtEl>
-                                          <p:spTgt spid="14"/>
-                                        </p:tgtEl>
-                                        <p:attrNameLst>
-                                          <p:attrName>ppt_w</p:attrName>
-                                        </p:attrNameLst>
-                                      </p:cBhvr>
-                                      <p:tavLst>
-                                        <p:tav tm="0">
-                                          <p:val>
-                                            <p:fltVal val="0"/>
-                                          </p:val>
-                                        </p:tav>
-                                        <p:tav tm="100000">
-                                          <p:val>
-                                            <p:strVal val="#ppt_w"/>
-                                          </p:val>
-                                        </p:tav>
-                                      </p:tavLst>
-                                    </p:anim>
-                                    <p:anim calcmode="lin" valueType="num">
-                                      <p:cBhvr>
-                                        <p:cTn id="33" dur="500" fill="hold"/>
-                                        <p:tgtEl>
-                                          <p:spTgt spid="14"/>
-                                        </p:tgtEl>
-                                        <p:attrNameLst>
-                                          <p:attrName>ppt_h</p:attrName>
-                                        </p:attrNameLst>
-                                      </p:cBhvr>
-                                      <p:tavLst>
-                                        <p:tav tm="0">
-                                          <p:val>
-                                            <p:fltVal val="0"/>
-                                          </p:val>
-                                        </p:tav>
-                                        <p:tav tm="100000">
-                                          <p:val>
-                                            <p:strVal val="#ppt_h"/>
-                                          </p:val>
-                                        </p:tav>
-                                      </p:tavLst>
-                                    </p:anim>
-                                    <p:animEffect transition="in" filter="fade">
-                                      <p:cBhvr>
-                                        <p:cTn id="34" dur="500"/>
-                                        <p:tgtEl>
-                                          <p:spTgt spid="14"/>
-                                        </p:tgtEl>
-                                      </p:cBhvr>
-                                    </p:animEffect>
-                                  </p:childTnLst>
-                                </p:cTn>
-                              </p:par>
-                              <p:par>
-                                <p:cTn id="35" presetID="53" presetClass="entr" presetSubtype="16" fill="hold" grpId="0" nodeType="withEffect">
-                                  <p:stCondLst>
-                                    <p:cond delay="0"/>
-                                  </p:stCondLst>
-                                  <p:childTnLst>
-                                    <p:set>
-                                      <p:cBhvr>
-                                        <p:cTn id="36" dur="1" fill="hold">
-                                          <p:stCondLst>
-                                            <p:cond delay="0"/>
-                                          </p:stCondLst>
-                                        </p:cTn>
-                                        <p:tgtEl>
-                                          <p:spTgt spid="17"/>
-                                        </p:tgtEl>
-                                        <p:attrNameLst>
-                                          <p:attrName>style.visibility</p:attrName>
-                                        </p:attrNameLst>
-                                      </p:cBhvr>
-                                      <p:to>
-                                        <p:strVal val="visible"/>
-                                      </p:to>
-                                    </p:set>
-                                    <p:anim calcmode="lin" valueType="num">
-                                      <p:cBhvr>
-                                        <p:cTn id="37" dur="500" fill="hold"/>
-                                        <p:tgtEl>
-                                          <p:spTgt spid="17"/>
-                                        </p:tgtEl>
-                                        <p:attrNameLst>
-                                          <p:attrName>ppt_w</p:attrName>
-                                        </p:attrNameLst>
-                                      </p:cBhvr>
-                                      <p:tavLst>
-                                        <p:tav tm="0">
-                                          <p:val>
-                                            <p:fltVal val="0"/>
-                                          </p:val>
-                                        </p:tav>
-                                        <p:tav tm="100000">
-                                          <p:val>
-                                            <p:strVal val="#ppt_w"/>
-                                          </p:val>
-                                        </p:tav>
-                                      </p:tavLst>
-                                    </p:anim>
-                                    <p:anim calcmode="lin" valueType="num">
-                                      <p:cBhvr>
-                                        <p:cTn id="38" dur="500" fill="hold"/>
-                                        <p:tgtEl>
-                                          <p:spTgt spid="17"/>
-                                        </p:tgtEl>
-                                        <p:attrNameLst>
-                                          <p:attrName>ppt_h</p:attrName>
-                                        </p:attrNameLst>
-                                      </p:cBhvr>
-                                      <p:tavLst>
-                                        <p:tav tm="0">
-                                          <p:val>
-                                            <p:fltVal val="0"/>
-                                          </p:val>
-                                        </p:tav>
-                                        <p:tav tm="100000">
-                                          <p:val>
-                                            <p:strVal val="#ppt_h"/>
-                                          </p:val>
-                                        </p:tav>
-                                      </p:tavLst>
-                                    </p:anim>
-                                    <p:animEffect transition="in" filter="fade">
-                                      <p:cBhvr>
-                                        <p:cTn id="39" dur="500"/>
-                                        <p:tgtEl>
-                                          <p:spTgt spid="17"/>
-                                        </p:tgtEl>
-                                      </p:cBhvr>
-                                    </p:animEffect>
-                                  </p:childTnLst>
-                                </p:cTn>
-                              </p:par>
-                              <p:par>
-                                <p:cTn id="40" presetID="53" presetClass="entr" presetSubtype="16" fill="hold" grpId="0" nodeType="withEffect">
-                                  <p:stCondLst>
-                                    <p:cond delay="0"/>
-                                  </p:stCondLst>
-                                  <p:childTnLst>
-                                    <p:set>
-                                      <p:cBhvr>
-                                        <p:cTn id="41" dur="1" fill="hold">
-                                          <p:stCondLst>
-                                            <p:cond delay="0"/>
-                                          </p:stCondLst>
-                                        </p:cTn>
-                                        <p:tgtEl>
-                                          <p:spTgt spid="22"/>
-                                        </p:tgtEl>
-                                        <p:attrNameLst>
-                                          <p:attrName>style.visibility</p:attrName>
-                                        </p:attrNameLst>
-                                      </p:cBhvr>
-                                      <p:to>
-                                        <p:strVal val="visible"/>
-                                      </p:to>
-                                    </p:set>
-                                    <p:anim calcmode="lin" valueType="num">
-                                      <p:cBhvr>
-                                        <p:cTn id="42" dur="500" fill="hold"/>
-                                        <p:tgtEl>
-                                          <p:spTgt spid="22"/>
-                                        </p:tgtEl>
-                                        <p:attrNameLst>
-                                          <p:attrName>ppt_w</p:attrName>
-                                        </p:attrNameLst>
-                                      </p:cBhvr>
-                                      <p:tavLst>
-                                        <p:tav tm="0">
-                                          <p:val>
-                                            <p:fltVal val="0"/>
-                                          </p:val>
-                                        </p:tav>
-                                        <p:tav tm="100000">
-                                          <p:val>
-                                            <p:strVal val="#ppt_w"/>
-                                          </p:val>
-                                        </p:tav>
-                                      </p:tavLst>
-                                    </p:anim>
-                                    <p:anim calcmode="lin" valueType="num">
-                                      <p:cBhvr>
-                                        <p:cTn id="43" dur="500" fill="hold"/>
-                                        <p:tgtEl>
-                                          <p:spTgt spid="22"/>
-                                        </p:tgtEl>
-                                        <p:attrNameLst>
-                                          <p:attrName>ppt_h</p:attrName>
-                                        </p:attrNameLst>
-                                      </p:cBhvr>
-                                      <p:tavLst>
-                                        <p:tav tm="0">
-                                          <p:val>
-                                            <p:fltVal val="0"/>
-                                          </p:val>
-                                        </p:tav>
-                                        <p:tav tm="100000">
-                                          <p:val>
-                                            <p:strVal val="#ppt_h"/>
-                                          </p:val>
-                                        </p:tav>
-                                      </p:tavLst>
-                                    </p:anim>
-                                    <p:animEffect transition="in" filter="fade">
-                                      <p:cBhvr>
-                                        <p:cTn id="44" dur="500"/>
-                                        <p:tgtEl>
-                                          <p:spTgt spid="22"/>
-                                        </p:tgtEl>
-                                      </p:cBhvr>
-                                    </p:animEffect>
-                                  </p:childTnLst>
-                                </p:cTn>
-                              </p:par>
-                              <p:par>
-                                <p:cTn id="45" presetID="53" presetClass="entr" presetSubtype="16" fill="hold" grpId="0" nodeType="withEffect">
-                                  <p:stCondLst>
-                                    <p:cond delay="0"/>
-                                  </p:stCondLst>
-                                  <p:childTnLst>
-                                    <p:set>
-                                      <p:cBhvr>
-                                        <p:cTn id="46" dur="1" fill="hold">
-                                          <p:stCondLst>
-                                            <p:cond delay="0"/>
-                                          </p:stCondLst>
-                                        </p:cTn>
-                                        <p:tgtEl>
-                                          <p:spTgt spid="23"/>
-                                        </p:tgtEl>
-                                        <p:attrNameLst>
-                                          <p:attrName>style.visibility</p:attrName>
-                                        </p:attrNameLst>
-                                      </p:cBhvr>
-                                      <p:to>
-                                        <p:strVal val="visible"/>
-                                      </p:to>
-                                    </p:set>
-                                    <p:anim calcmode="lin" valueType="num">
-                                      <p:cBhvr>
-                                        <p:cTn id="47" dur="500" fill="hold"/>
-                                        <p:tgtEl>
-                                          <p:spTgt spid="23"/>
-                                        </p:tgtEl>
-                                        <p:attrNameLst>
-                                          <p:attrName>ppt_w</p:attrName>
-                                        </p:attrNameLst>
-                                      </p:cBhvr>
-                                      <p:tavLst>
-                                        <p:tav tm="0">
-                                          <p:val>
-                                            <p:fltVal val="0"/>
-                                          </p:val>
-                                        </p:tav>
-                                        <p:tav tm="100000">
-                                          <p:val>
-                                            <p:strVal val="#ppt_w"/>
-                                          </p:val>
-                                        </p:tav>
-                                      </p:tavLst>
-                                    </p:anim>
-                                    <p:anim calcmode="lin" valueType="num">
-                                      <p:cBhvr>
-                                        <p:cTn id="48" dur="500" fill="hold"/>
-                                        <p:tgtEl>
-                                          <p:spTgt spid="23"/>
-                                        </p:tgtEl>
-                                        <p:attrNameLst>
-                                          <p:attrName>ppt_h</p:attrName>
-                                        </p:attrNameLst>
-                                      </p:cBhvr>
-                                      <p:tavLst>
-                                        <p:tav tm="0">
-                                          <p:val>
-                                            <p:fltVal val="0"/>
-                                          </p:val>
-                                        </p:tav>
-                                        <p:tav tm="100000">
-                                          <p:val>
-                                            <p:strVal val="#ppt_h"/>
-                                          </p:val>
-                                        </p:tav>
-                                      </p:tavLst>
-                                    </p:anim>
-                                    <p:animEffect transition="in" filter="fade">
-                                      <p:cBhvr>
-                                        <p:cTn id="49" dur="500"/>
-                                        <p:tgtEl>
-                                          <p:spTgt spid="23"/>
-                                        </p:tgtEl>
-                                      </p:cBhvr>
-                                    </p:animEffect>
-                                  </p:childTnLst>
-                                </p:cTn>
-                              </p:par>
-                              <p:par>
-                                <p:cTn id="50" presetID="53" presetClass="entr" presetSubtype="16" fill="hold" grpId="0" nodeType="withEffect">
-                                  <p:stCondLst>
-                                    <p:cond delay="0"/>
-                                  </p:stCondLst>
-                                  <p:childTnLst>
-                                    <p:set>
-                                      <p:cBhvr>
-                                        <p:cTn id="51" dur="1" fill="hold">
-                                          <p:stCondLst>
-                                            <p:cond delay="0"/>
-                                          </p:stCondLst>
-                                        </p:cTn>
-                                        <p:tgtEl>
-                                          <p:spTgt spid="28"/>
-                                        </p:tgtEl>
-                                        <p:attrNameLst>
-                                          <p:attrName>style.visibility</p:attrName>
-                                        </p:attrNameLst>
-                                      </p:cBhvr>
-                                      <p:to>
-                                        <p:strVal val="visible"/>
-                                      </p:to>
-                                    </p:set>
-                                    <p:anim calcmode="lin" valueType="num">
-                                      <p:cBhvr>
-                                        <p:cTn id="52" dur="500" fill="hold"/>
-                                        <p:tgtEl>
-                                          <p:spTgt spid="28"/>
-                                        </p:tgtEl>
-                                        <p:attrNameLst>
-                                          <p:attrName>ppt_w</p:attrName>
-                                        </p:attrNameLst>
-                                      </p:cBhvr>
-                                      <p:tavLst>
-                                        <p:tav tm="0">
-                                          <p:val>
-                                            <p:fltVal val="0"/>
-                                          </p:val>
-                                        </p:tav>
-                                        <p:tav tm="100000">
-                                          <p:val>
-                                            <p:strVal val="#ppt_w"/>
-                                          </p:val>
-                                        </p:tav>
-                                      </p:tavLst>
-                                    </p:anim>
-                                    <p:anim calcmode="lin" valueType="num">
-                                      <p:cBhvr>
-                                        <p:cTn id="53" dur="500" fill="hold"/>
-                                        <p:tgtEl>
-                                          <p:spTgt spid="28"/>
-                                        </p:tgtEl>
-                                        <p:attrNameLst>
-                                          <p:attrName>ppt_h</p:attrName>
-                                        </p:attrNameLst>
-                                      </p:cBhvr>
-                                      <p:tavLst>
-                                        <p:tav tm="0">
-                                          <p:val>
-                                            <p:fltVal val="0"/>
-                                          </p:val>
-                                        </p:tav>
-                                        <p:tav tm="100000">
-                                          <p:val>
-                                            <p:strVal val="#ppt_h"/>
-                                          </p:val>
-                                        </p:tav>
-                                      </p:tavLst>
-                                    </p:anim>
-                                    <p:animEffect transition="in" filter="fade">
-                                      <p:cBhvr>
-                                        <p:cTn id="54" dur="500"/>
-                                        <p:tgtEl>
-                                          <p:spTgt spid="28"/>
-                                        </p:tgtEl>
-                                      </p:cBhvr>
-                                    </p:animEffect>
-                                  </p:childTnLst>
-                                </p:cTn>
-                              </p:par>
-                              <p:par>
-                                <p:cTn id="55" presetID="53" presetClass="entr" presetSubtype="16" fill="hold" grpId="0" nodeType="withEffect">
-                                  <p:stCondLst>
-                                    <p:cond delay="0"/>
-                                  </p:stCondLst>
-                                  <p:childTnLst>
-                                    <p:set>
-                                      <p:cBhvr>
-                                        <p:cTn id="56" dur="1" fill="hold">
-                                          <p:stCondLst>
-                                            <p:cond delay="0"/>
-                                          </p:stCondLst>
-                                        </p:cTn>
-                                        <p:tgtEl>
-                                          <p:spTgt spid="11"/>
-                                        </p:tgtEl>
-                                        <p:attrNameLst>
-                                          <p:attrName>style.visibility</p:attrName>
-                                        </p:attrNameLst>
-                                      </p:cBhvr>
-                                      <p:to>
-                                        <p:strVal val="visible"/>
-                                      </p:to>
-                                    </p:set>
-                                    <p:anim calcmode="lin" valueType="num">
-                                      <p:cBhvr>
-                                        <p:cTn id="57" dur="500" fill="hold"/>
-                                        <p:tgtEl>
-                                          <p:spTgt spid="11"/>
-                                        </p:tgtEl>
-                                        <p:attrNameLst>
-                                          <p:attrName>ppt_w</p:attrName>
-                                        </p:attrNameLst>
-                                      </p:cBhvr>
-                                      <p:tavLst>
-                                        <p:tav tm="0">
-                                          <p:val>
-                                            <p:fltVal val="0"/>
-                                          </p:val>
-                                        </p:tav>
-                                        <p:tav tm="100000">
-                                          <p:val>
-                                            <p:strVal val="#ppt_w"/>
-                                          </p:val>
-                                        </p:tav>
-                                      </p:tavLst>
-                                    </p:anim>
-                                    <p:anim calcmode="lin" valueType="num">
-                                      <p:cBhvr>
-                                        <p:cTn id="58" dur="500" fill="hold"/>
-                                        <p:tgtEl>
-                                          <p:spTgt spid="11"/>
-                                        </p:tgtEl>
-                                        <p:attrNameLst>
-                                          <p:attrName>ppt_h</p:attrName>
-                                        </p:attrNameLst>
-                                      </p:cBhvr>
-                                      <p:tavLst>
-                                        <p:tav tm="0">
-                                          <p:val>
-                                            <p:fltVal val="0"/>
-                                          </p:val>
-                                        </p:tav>
-                                        <p:tav tm="100000">
-                                          <p:val>
-                                            <p:strVal val="#ppt_h"/>
-                                          </p:val>
-                                        </p:tav>
-                                      </p:tavLst>
-                                    </p:anim>
-                                    <p:animEffect transition="in" filter="fade">
-                                      <p:cBhvr>
-                                        <p:cTn id="59" dur="500"/>
-                                        <p:tgtEl>
-                                          <p:spTgt spid="11"/>
-                                        </p:tgtEl>
-                                      </p:cBhvr>
-                                    </p:animEffect>
-                                  </p:childTnLst>
-                                </p:cTn>
-                              </p:par>
-                              <p:par>
-                                <p:cTn id="60" presetID="53" presetClass="entr" presetSubtype="16" fill="hold" grpId="0" nodeType="withEffect">
-                                  <p:stCondLst>
-                                    <p:cond delay="0"/>
-                                  </p:stCondLst>
-                                  <p:childTnLst>
-                                    <p:set>
-                                      <p:cBhvr>
-                                        <p:cTn id="61" dur="1" fill="hold">
-                                          <p:stCondLst>
-                                            <p:cond delay="0"/>
-                                          </p:stCondLst>
-                                        </p:cTn>
-                                        <p:tgtEl>
-                                          <p:spTgt spid="29"/>
-                                        </p:tgtEl>
-                                        <p:attrNameLst>
-                                          <p:attrName>style.visibility</p:attrName>
-                                        </p:attrNameLst>
-                                      </p:cBhvr>
-                                      <p:to>
-                                        <p:strVal val="visible"/>
-                                      </p:to>
-                                    </p:set>
-                                    <p:anim calcmode="lin" valueType="num">
-                                      <p:cBhvr>
-                                        <p:cTn id="62" dur="500" fill="hold"/>
-                                        <p:tgtEl>
-                                          <p:spTgt spid="29"/>
-                                        </p:tgtEl>
-                                        <p:attrNameLst>
-                                          <p:attrName>ppt_w</p:attrName>
-                                        </p:attrNameLst>
-                                      </p:cBhvr>
-                                      <p:tavLst>
-                                        <p:tav tm="0">
-                                          <p:val>
-                                            <p:fltVal val="0"/>
-                                          </p:val>
-                                        </p:tav>
-                                        <p:tav tm="100000">
-                                          <p:val>
-                                            <p:strVal val="#ppt_w"/>
-                                          </p:val>
-                                        </p:tav>
-                                      </p:tavLst>
-                                    </p:anim>
-                                    <p:anim calcmode="lin" valueType="num">
-                                      <p:cBhvr>
-                                        <p:cTn id="63" dur="500" fill="hold"/>
-                                        <p:tgtEl>
-                                          <p:spTgt spid="29"/>
-                                        </p:tgtEl>
-                                        <p:attrNameLst>
-                                          <p:attrName>ppt_h</p:attrName>
-                                        </p:attrNameLst>
-                                      </p:cBhvr>
-                                      <p:tavLst>
-                                        <p:tav tm="0">
-                                          <p:val>
-                                            <p:fltVal val="0"/>
-                                          </p:val>
-                                        </p:tav>
-                                        <p:tav tm="100000">
-                                          <p:val>
-                                            <p:strVal val="#ppt_h"/>
-                                          </p:val>
-                                        </p:tav>
-                                      </p:tavLst>
-                                    </p:anim>
-                                    <p:animEffect transition="in" filter="fade">
-                                      <p:cBhvr>
-                                        <p:cTn id="64" dur="500"/>
-                                        <p:tgtEl>
-                                          <p:spTgt spid="29"/>
-                                        </p:tgtEl>
-                                      </p:cBhvr>
-                                    </p:animEffect>
-                                  </p:childTnLst>
-                                </p:cTn>
-                              </p:par>
-                            </p:childTnLst>
-                          </p:cTn>
-                        </p:par>
-                      </p:childTnLst>
-                    </p:cTn>
-                  </p:par>
-                  <p:par>
-                    <p:cTn id="65" fill="hold">
-                      <p:stCondLst>
-                        <p:cond delay="indefinite"/>
-                      </p:stCondLst>
-                      <p:childTnLst>
-                        <p:par>
-                          <p:cTn id="66" fill="hold">
-                            <p:stCondLst>
-                              <p:cond delay="0"/>
-                            </p:stCondLst>
-                            <p:childTnLst>
-                              <p:par>
-                                <p:cTn id="67" presetID="53" presetClass="entr" presetSubtype="16" fill="hold" grpId="0" nodeType="clickEffect">
-                                  <p:stCondLst>
-                                    <p:cond delay="0"/>
-                                  </p:stCondLst>
-                                  <p:childTnLst>
-                                    <p:set>
-                                      <p:cBhvr>
-                                        <p:cTn id="68" dur="1" fill="hold">
-                                          <p:stCondLst>
-                                            <p:cond delay="0"/>
-                                          </p:stCondLst>
-                                        </p:cTn>
-                                        <p:tgtEl>
-                                          <p:spTgt spid="9">
-                                            <p:txEl>
-                                              <p:pRg st="2" end="2"/>
-                                            </p:txEl>
-                                          </p:spTgt>
-                                        </p:tgtEl>
-                                        <p:attrNameLst>
-                                          <p:attrName>style.visibility</p:attrName>
-                                        </p:attrNameLst>
-                                      </p:cBhvr>
-                                      <p:to>
-                                        <p:strVal val="visible"/>
-                                      </p:to>
-                                    </p:set>
-                                    <p:anim calcmode="lin" valueType="num">
-                                      <p:cBhvr>
-                                        <p:cTn id="69" dur="500" fill="hold"/>
-                                        <p:tgtEl>
-                                          <p:spTgt spid="9">
-                                            <p:txEl>
-                                              <p:pRg st="2" end="2"/>
-                                            </p:txEl>
-                                          </p:spTgt>
-                                        </p:tgtEl>
-                                        <p:attrNameLst>
-                                          <p:attrName>ppt_w</p:attrName>
-                                        </p:attrNameLst>
-                                      </p:cBhvr>
-                                      <p:tavLst>
-                                        <p:tav tm="0">
-                                          <p:val>
-                                            <p:fltVal val="0"/>
-                                          </p:val>
-                                        </p:tav>
-                                        <p:tav tm="100000">
-                                          <p:val>
-                                            <p:strVal val="#ppt_w"/>
-                                          </p:val>
-                                        </p:tav>
-                                      </p:tavLst>
-                                    </p:anim>
-                                    <p:anim calcmode="lin" valueType="num">
-                                      <p:cBhvr>
-                                        <p:cTn id="70" dur="500" fill="hold"/>
-                                        <p:tgtEl>
-                                          <p:spTgt spid="9">
-                                            <p:txEl>
-                                              <p:pRg st="2" end="2"/>
-                                            </p:txEl>
-                                          </p:spTgt>
-                                        </p:tgtEl>
-                                        <p:attrNameLst>
-                                          <p:attrName>ppt_h</p:attrName>
-                                        </p:attrNameLst>
-                                      </p:cBhvr>
-                                      <p:tavLst>
-                                        <p:tav tm="0">
-                                          <p:val>
-                                            <p:fltVal val="0"/>
-                                          </p:val>
-                                        </p:tav>
-                                        <p:tav tm="100000">
-                                          <p:val>
-                                            <p:strVal val="#ppt_h"/>
-                                          </p:val>
-                                        </p:tav>
-                                      </p:tavLst>
-                                    </p:anim>
-                                    <p:animEffect transition="in" filter="fade">
-                                      <p:cBhvr>
-                                        <p:cTn id="71" dur="500"/>
-                                        <p:tgtEl>
-                                          <p:spTgt spid="9">
-                                            <p:txEl>
-                                              <p:pRg st="2" end="2"/>
-                                            </p:txEl>
-                                          </p:spTgt>
-                                        </p:tgtEl>
-                                      </p:cBhvr>
-                                    </p:animEffect>
-                                  </p:childTnLst>
-                                </p:cTn>
-                              </p:par>
-                              <p:par>
-                                <p:cTn id="72" presetID="53" presetClass="entr" presetSubtype="16" fill="hold" grpId="0" nodeType="withEffect">
-                                  <p:stCondLst>
-                                    <p:cond delay="0"/>
-                                  </p:stCondLst>
-                                  <p:childTnLst>
-                                    <p:set>
-                                      <p:cBhvr>
-                                        <p:cTn id="73" dur="1" fill="hold">
-                                          <p:stCondLst>
-                                            <p:cond delay="0"/>
-                                          </p:stCondLst>
-                                        </p:cTn>
-                                        <p:tgtEl>
-                                          <p:spTgt spid="24"/>
-                                        </p:tgtEl>
-                                        <p:attrNameLst>
-                                          <p:attrName>style.visibility</p:attrName>
-                                        </p:attrNameLst>
-                                      </p:cBhvr>
-                                      <p:to>
-                                        <p:strVal val="visible"/>
-                                      </p:to>
-                                    </p:set>
-                                    <p:anim calcmode="lin" valueType="num">
-                                      <p:cBhvr>
-                                        <p:cTn id="74" dur="500" fill="hold"/>
-                                        <p:tgtEl>
-                                          <p:spTgt spid="24"/>
-                                        </p:tgtEl>
-                                        <p:attrNameLst>
-                                          <p:attrName>ppt_w</p:attrName>
-                                        </p:attrNameLst>
-                                      </p:cBhvr>
-                                      <p:tavLst>
-                                        <p:tav tm="0">
-                                          <p:val>
-                                            <p:fltVal val="0"/>
-                                          </p:val>
-                                        </p:tav>
-                                        <p:tav tm="100000">
-                                          <p:val>
-                                            <p:strVal val="#ppt_w"/>
-                                          </p:val>
-                                        </p:tav>
-                                      </p:tavLst>
-                                    </p:anim>
-                                    <p:anim calcmode="lin" valueType="num">
-                                      <p:cBhvr>
-                                        <p:cTn id="75" dur="500" fill="hold"/>
-                                        <p:tgtEl>
-                                          <p:spTgt spid="24"/>
-                                        </p:tgtEl>
-                                        <p:attrNameLst>
-                                          <p:attrName>ppt_h</p:attrName>
-                                        </p:attrNameLst>
-                                      </p:cBhvr>
-                                      <p:tavLst>
-                                        <p:tav tm="0">
-                                          <p:val>
-                                            <p:fltVal val="0"/>
-                                          </p:val>
-                                        </p:tav>
-                                        <p:tav tm="100000">
-                                          <p:val>
-                                            <p:strVal val="#ppt_h"/>
-                                          </p:val>
-                                        </p:tav>
-                                      </p:tavLst>
-                                    </p:anim>
-                                    <p:animEffect transition="in" filter="fade">
-                                      <p:cBhvr>
-                                        <p:cTn id="76" dur="500"/>
-                                        <p:tgtEl>
-                                          <p:spTgt spid="24"/>
-                                        </p:tgtEl>
-                                      </p:cBhvr>
-                                    </p:animEffect>
-                                  </p:childTnLst>
-                                </p:cTn>
-                              </p:par>
-                              <p:par>
-                                <p:cTn id="77" presetID="53" presetClass="entr" presetSubtype="16" fill="hold" grpId="0" nodeType="withEffect">
-                                  <p:stCondLst>
-                                    <p:cond delay="0"/>
-                                  </p:stCondLst>
-                                  <p:childTnLst>
-                                    <p:set>
-                                      <p:cBhvr>
-                                        <p:cTn id="78" dur="1" fill="hold">
-                                          <p:stCondLst>
-                                            <p:cond delay="0"/>
-                                          </p:stCondLst>
-                                        </p:cTn>
-                                        <p:tgtEl>
-                                          <p:spTgt spid="12"/>
-                                        </p:tgtEl>
-                                        <p:attrNameLst>
-                                          <p:attrName>style.visibility</p:attrName>
-                                        </p:attrNameLst>
-                                      </p:cBhvr>
-                                      <p:to>
-                                        <p:strVal val="visible"/>
-                                      </p:to>
-                                    </p:set>
-                                    <p:anim calcmode="lin" valueType="num">
-                                      <p:cBhvr>
-                                        <p:cTn id="79" dur="500" fill="hold"/>
-                                        <p:tgtEl>
-                                          <p:spTgt spid="12"/>
-                                        </p:tgtEl>
-                                        <p:attrNameLst>
-                                          <p:attrName>ppt_w</p:attrName>
-                                        </p:attrNameLst>
-                                      </p:cBhvr>
-                                      <p:tavLst>
-                                        <p:tav tm="0">
-                                          <p:val>
-                                            <p:fltVal val="0"/>
-                                          </p:val>
-                                        </p:tav>
-                                        <p:tav tm="100000">
-                                          <p:val>
-                                            <p:strVal val="#ppt_w"/>
-                                          </p:val>
-                                        </p:tav>
-                                      </p:tavLst>
-                                    </p:anim>
-                                    <p:anim calcmode="lin" valueType="num">
-                                      <p:cBhvr>
-                                        <p:cTn id="80" dur="500" fill="hold"/>
-                                        <p:tgtEl>
-                                          <p:spTgt spid="12"/>
-                                        </p:tgtEl>
-                                        <p:attrNameLst>
-                                          <p:attrName>ppt_h</p:attrName>
-                                        </p:attrNameLst>
-                                      </p:cBhvr>
-                                      <p:tavLst>
-                                        <p:tav tm="0">
-                                          <p:val>
-                                            <p:fltVal val="0"/>
-                                          </p:val>
-                                        </p:tav>
-                                        <p:tav tm="100000">
-                                          <p:val>
-                                            <p:strVal val="#ppt_h"/>
-                                          </p:val>
-                                        </p:tav>
-                                      </p:tavLst>
-                                    </p:anim>
-                                    <p:animEffect transition="in" filter="fade">
-                                      <p:cBhvr>
-                                        <p:cTn id="81" dur="500"/>
-                                        <p:tgtEl>
-                                          <p:spTgt spid="12"/>
-                                        </p:tgtEl>
-                                      </p:cBhvr>
-                                    </p:animEffect>
-                                  </p:childTnLst>
-                                </p:cTn>
-                              </p:par>
-                            </p:childTnLst>
-                          </p:cTn>
-                        </p:par>
-                      </p:childTnLst>
-                    </p:cTn>
-                  </p:par>
-                  <p:par>
-                    <p:cTn id="82" fill="hold">
-                      <p:stCondLst>
-                        <p:cond delay="indefinite"/>
-                      </p:stCondLst>
-                      <p:childTnLst>
-                        <p:par>
-                          <p:cTn id="83" fill="hold">
-                            <p:stCondLst>
-                              <p:cond delay="0"/>
-                            </p:stCondLst>
-                            <p:childTnLst>
-                              <p:par>
-                                <p:cTn id="84" presetID="53" presetClass="entr" presetSubtype="16" fill="hold" grpId="0" nodeType="clickEffect">
-                                  <p:stCondLst>
-                                    <p:cond delay="0"/>
-                                  </p:stCondLst>
-                                  <p:childTnLst>
-                                    <p:set>
-                                      <p:cBhvr>
-                                        <p:cTn id="85" dur="1" fill="hold">
-                                          <p:stCondLst>
-                                            <p:cond delay="0"/>
-                                          </p:stCondLst>
-                                        </p:cTn>
-                                        <p:tgtEl>
-                                          <p:spTgt spid="9">
-                                            <p:txEl>
-                                              <p:pRg st="3" end="3"/>
-                                            </p:txEl>
-                                          </p:spTgt>
-                                        </p:tgtEl>
-                                        <p:attrNameLst>
-                                          <p:attrName>style.visibility</p:attrName>
-                                        </p:attrNameLst>
-                                      </p:cBhvr>
-                                      <p:to>
-                                        <p:strVal val="visible"/>
-                                      </p:to>
-                                    </p:set>
-                                    <p:anim calcmode="lin" valueType="num">
-                                      <p:cBhvr>
-                                        <p:cTn id="86" dur="500" fill="hold"/>
-                                        <p:tgtEl>
-                                          <p:spTgt spid="9">
-                                            <p:txEl>
-                                              <p:pRg st="3" end="3"/>
-                                            </p:txEl>
-                                          </p:spTgt>
-                                        </p:tgtEl>
-                                        <p:attrNameLst>
-                                          <p:attrName>ppt_w</p:attrName>
-                                        </p:attrNameLst>
-                                      </p:cBhvr>
-                                      <p:tavLst>
-                                        <p:tav tm="0">
-                                          <p:val>
-                                            <p:fltVal val="0"/>
-                                          </p:val>
-                                        </p:tav>
-                                        <p:tav tm="100000">
-                                          <p:val>
-                                            <p:strVal val="#ppt_w"/>
-                                          </p:val>
-                                        </p:tav>
-                                      </p:tavLst>
-                                    </p:anim>
-                                    <p:anim calcmode="lin" valueType="num">
-                                      <p:cBhvr>
-                                        <p:cTn id="87" dur="500" fill="hold"/>
-                                        <p:tgtEl>
-                                          <p:spTgt spid="9">
-                                            <p:txEl>
-                                              <p:pRg st="3" end="3"/>
-                                            </p:txEl>
-                                          </p:spTgt>
-                                        </p:tgtEl>
-                                        <p:attrNameLst>
-                                          <p:attrName>ppt_h</p:attrName>
-                                        </p:attrNameLst>
-                                      </p:cBhvr>
-                                      <p:tavLst>
-                                        <p:tav tm="0">
-                                          <p:val>
-                                            <p:fltVal val="0"/>
-                                          </p:val>
-                                        </p:tav>
-                                        <p:tav tm="100000">
-                                          <p:val>
-                                            <p:strVal val="#ppt_h"/>
-                                          </p:val>
-                                        </p:tav>
-                                      </p:tavLst>
-                                    </p:anim>
-                                    <p:animEffect transition="in" filter="fade">
-                                      <p:cBhvr>
-                                        <p:cTn id="88" dur="500"/>
-                                        <p:tgtEl>
-                                          <p:spTgt spid="9">
-                                            <p:txEl>
-                                              <p:pRg st="3" end="3"/>
-                                            </p:txEl>
-                                          </p:spTgt>
-                                        </p:tgtEl>
-                                      </p:cBhvr>
-                                    </p:animEffect>
-                                  </p:childTnLst>
-                                </p:cTn>
-                              </p:par>
-                            </p:childTnLst>
-                          </p:cTn>
-                        </p:par>
-                      </p:childTnLst>
-                    </p:cTn>
-                  </p:par>
-                  <p:par>
-                    <p:cTn id="89" fill="hold">
-                      <p:stCondLst>
-                        <p:cond delay="indefinite"/>
-                      </p:stCondLst>
-                      <p:childTnLst>
-                        <p:par>
-                          <p:cTn id="90" fill="hold">
-                            <p:stCondLst>
-                              <p:cond delay="0"/>
-                            </p:stCondLst>
-                            <p:childTnLst>
-                              <p:par>
-                                <p:cTn id="91" presetID="53" presetClass="entr" presetSubtype="16" fill="hold" grpId="0" nodeType="clickEffect">
-                                  <p:stCondLst>
-                                    <p:cond delay="0"/>
-                                  </p:stCondLst>
-                                  <p:childTnLst>
-                                    <p:set>
-                                      <p:cBhvr>
-                                        <p:cTn id="92" dur="1" fill="hold">
-                                          <p:stCondLst>
-                                            <p:cond delay="0"/>
-                                          </p:stCondLst>
-                                        </p:cTn>
-                                        <p:tgtEl>
-                                          <p:spTgt spid="9">
-                                            <p:txEl>
-                                              <p:pRg st="4" end="4"/>
-                                            </p:txEl>
-                                          </p:spTgt>
-                                        </p:tgtEl>
-                                        <p:attrNameLst>
-                                          <p:attrName>style.visibility</p:attrName>
-                                        </p:attrNameLst>
-                                      </p:cBhvr>
-                                      <p:to>
-                                        <p:strVal val="visible"/>
-                                      </p:to>
-                                    </p:set>
-                                    <p:anim calcmode="lin" valueType="num">
-                                      <p:cBhvr>
-                                        <p:cTn id="93" dur="500" fill="hold"/>
-                                        <p:tgtEl>
-                                          <p:spTgt spid="9">
-                                            <p:txEl>
-                                              <p:pRg st="4" end="4"/>
-                                            </p:txEl>
-                                          </p:spTgt>
-                                        </p:tgtEl>
-                                        <p:attrNameLst>
-                                          <p:attrName>ppt_w</p:attrName>
-                                        </p:attrNameLst>
-                                      </p:cBhvr>
-                                      <p:tavLst>
-                                        <p:tav tm="0">
-                                          <p:val>
-                                            <p:fltVal val="0"/>
-                                          </p:val>
-                                        </p:tav>
-                                        <p:tav tm="100000">
-                                          <p:val>
-                                            <p:strVal val="#ppt_w"/>
-                                          </p:val>
-                                        </p:tav>
-                                      </p:tavLst>
-                                    </p:anim>
-                                    <p:anim calcmode="lin" valueType="num">
-                                      <p:cBhvr>
-                                        <p:cTn id="94" dur="500" fill="hold"/>
-                                        <p:tgtEl>
-                                          <p:spTgt spid="9">
-                                            <p:txEl>
-                                              <p:pRg st="4" end="4"/>
-                                            </p:txEl>
-                                          </p:spTgt>
-                                        </p:tgtEl>
-                                        <p:attrNameLst>
-                                          <p:attrName>ppt_h</p:attrName>
-                                        </p:attrNameLst>
-                                      </p:cBhvr>
-                                      <p:tavLst>
-                                        <p:tav tm="0">
-                                          <p:val>
-                                            <p:fltVal val="0"/>
-                                          </p:val>
-                                        </p:tav>
-                                        <p:tav tm="100000">
-                                          <p:val>
-                                            <p:strVal val="#ppt_h"/>
-                                          </p:val>
-                                        </p:tav>
-                                      </p:tavLst>
-                                    </p:anim>
-                                    <p:animEffect transition="in" filter="fade">
-                                      <p:cBhvr>
-                                        <p:cTn id="95" dur="500"/>
-                                        <p:tgtEl>
-                                          <p:spTgt spid="9">
-                                            <p:txEl>
-                                              <p:pRg st="4" end="4"/>
-                                            </p:txEl>
-                                          </p:spTgt>
-                                        </p:tgtEl>
-                                      </p:cBhvr>
-                                    </p:animEffect>
-                                  </p:childTnLst>
-                                </p:cTn>
-                              </p:par>
-                              <p:par>
-                                <p:cTn id="96" presetID="53" presetClass="entr" presetSubtype="16" fill="hold" nodeType="withEffect">
-                                  <p:stCondLst>
-                                    <p:cond delay="0"/>
-                                  </p:stCondLst>
-                                  <p:childTnLst>
-                                    <p:set>
-                                      <p:cBhvr>
-                                        <p:cTn id="97" dur="1" fill="hold">
-                                          <p:stCondLst>
-                                            <p:cond delay="0"/>
-                                          </p:stCondLst>
-                                        </p:cTn>
-                                        <p:tgtEl>
-                                          <p:spTgt spid="3"/>
-                                        </p:tgtEl>
-                                        <p:attrNameLst>
-                                          <p:attrName>style.visibility</p:attrName>
-                                        </p:attrNameLst>
-                                      </p:cBhvr>
-                                      <p:to>
-                                        <p:strVal val="visible"/>
-                                      </p:to>
-                                    </p:set>
-                                    <p:anim calcmode="lin" valueType="num">
-                                      <p:cBhvr>
-                                        <p:cTn id="98" dur="500" fill="hold"/>
-                                        <p:tgtEl>
-                                          <p:spTgt spid="3"/>
-                                        </p:tgtEl>
-                                        <p:attrNameLst>
-                                          <p:attrName>ppt_w</p:attrName>
-                                        </p:attrNameLst>
-                                      </p:cBhvr>
-                                      <p:tavLst>
-                                        <p:tav tm="0">
-                                          <p:val>
-                                            <p:fltVal val="0"/>
-                                          </p:val>
-                                        </p:tav>
-                                        <p:tav tm="100000">
-                                          <p:val>
-                                            <p:strVal val="#ppt_w"/>
-                                          </p:val>
-                                        </p:tav>
-                                      </p:tavLst>
-                                    </p:anim>
-                                    <p:anim calcmode="lin" valueType="num">
-                                      <p:cBhvr>
-                                        <p:cTn id="99" dur="500" fill="hold"/>
-                                        <p:tgtEl>
-                                          <p:spTgt spid="3"/>
-                                        </p:tgtEl>
-                                        <p:attrNameLst>
-                                          <p:attrName>ppt_h</p:attrName>
-                                        </p:attrNameLst>
-                                      </p:cBhvr>
-                                      <p:tavLst>
-                                        <p:tav tm="0">
-                                          <p:val>
-                                            <p:fltVal val="0"/>
-                                          </p:val>
-                                        </p:tav>
-                                        <p:tav tm="100000">
-                                          <p:val>
-                                            <p:strVal val="#ppt_h"/>
-                                          </p:val>
-                                        </p:tav>
-                                      </p:tavLst>
-                                    </p:anim>
-                                    <p:animEffect transition="in" filter="fade">
-                                      <p:cBhvr>
-                                        <p:cTn id="100" dur="500"/>
-                                        <p:tgtEl>
-                                          <p:spTgt spid="3"/>
-                                        </p:tgtEl>
-                                      </p:cBhvr>
-                                    </p:animEffect>
-                                  </p:childTnLst>
-                                </p:cTn>
-                              </p:par>
-                            </p:childTnLst>
-                          </p:cTn>
-                        </p:par>
-                      </p:childTnLst>
-                    </p:cTn>
-                  </p:par>
-                  <p:par>
-                    <p:cTn id="101" fill="hold">
-                      <p:stCondLst>
-                        <p:cond delay="indefinite"/>
-                      </p:stCondLst>
-                      <p:childTnLst>
-                        <p:par>
-                          <p:cTn id="102" fill="hold">
-                            <p:stCondLst>
-                              <p:cond delay="0"/>
-                            </p:stCondLst>
-                            <p:childTnLst>
-                              <p:par>
-                                <p:cTn id="103" presetID="53" presetClass="entr" presetSubtype="16" fill="hold" grpId="0" nodeType="clickEffect">
-                                  <p:stCondLst>
-                                    <p:cond delay="0"/>
-                                  </p:stCondLst>
-                                  <p:childTnLst>
-                                    <p:set>
-                                      <p:cBhvr>
-                                        <p:cTn id="104" dur="1" fill="hold">
-                                          <p:stCondLst>
-                                            <p:cond delay="0"/>
-                                          </p:stCondLst>
-                                        </p:cTn>
-                                        <p:tgtEl>
-                                          <p:spTgt spid="9">
-                                            <p:txEl>
-                                              <p:pRg st="5" end="5"/>
-                                            </p:txEl>
-                                          </p:spTgt>
-                                        </p:tgtEl>
-                                        <p:attrNameLst>
-                                          <p:attrName>style.visibility</p:attrName>
-                                        </p:attrNameLst>
-                                      </p:cBhvr>
-                                      <p:to>
-                                        <p:strVal val="visible"/>
-                                      </p:to>
-                                    </p:set>
-                                    <p:anim calcmode="lin" valueType="num">
-                                      <p:cBhvr>
-                                        <p:cTn id="105" dur="500" fill="hold"/>
-                                        <p:tgtEl>
-                                          <p:spTgt spid="9">
-                                            <p:txEl>
-                                              <p:pRg st="5" end="5"/>
-                                            </p:txEl>
-                                          </p:spTgt>
-                                        </p:tgtEl>
-                                        <p:attrNameLst>
-                                          <p:attrName>ppt_w</p:attrName>
-                                        </p:attrNameLst>
-                                      </p:cBhvr>
-                                      <p:tavLst>
-                                        <p:tav tm="0">
-                                          <p:val>
-                                            <p:fltVal val="0"/>
-                                          </p:val>
-                                        </p:tav>
-                                        <p:tav tm="100000">
-                                          <p:val>
-                                            <p:strVal val="#ppt_w"/>
-                                          </p:val>
-                                        </p:tav>
-                                      </p:tavLst>
-                                    </p:anim>
-                                    <p:anim calcmode="lin" valueType="num">
-                                      <p:cBhvr>
-                                        <p:cTn id="106" dur="500" fill="hold"/>
-                                        <p:tgtEl>
-                                          <p:spTgt spid="9">
-                                            <p:txEl>
-                                              <p:pRg st="5" end="5"/>
-                                            </p:txEl>
-                                          </p:spTgt>
-                                        </p:tgtEl>
-                                        <p:attrNameLst>
-                                          <p:attrName>ppt_h</p:attrName>
-                                        </p:attrNameLst>
-                                      </p:cBhvr>
-                                      <p:tavLst>
-                                        <p:tav tm="0">
-                                          <p:val>
-                                            <p:fltVal val="0"/>
-                                          </p:val>
-                                        </p:tav>
-                                        <p:tav tm="100000">
-                                          <p:val>
-                                            <p:strVal val="#ppt_h"/>
-                                          </p:val>
-                                        </p:tav>
-                                      </p:tavLst>
-                                    </p:anim>
-                                    <p:animEffect transition="in" filter="fade">
-                                      <p:cBhvr>
-                                        <p:cTn id="107" dur="500"/>
-                                        <p:tgtEl>
-                                          <p:spTgt spid="9">
-                                            <p:txEl>
-                                              <p:pRg st="5" end="5"/>
-                                            </p:txEl>
-                                          </p:spTgt>
-                                        </p:tgtEl>
-                                      </p:cBhvr>
-                                    </p:animEffect>
-                                  </p:childTnLst>
-                                </p:cTn>
-                              </p:par>
-                            </p:childTnLst>
-                          </p:cTn>
-                        </p:par>
-                      </p:childTnLst>
-                    </p:cTn>
-                  </p:par>
-                  <p:par>
-                    <p:cTn id="108" fill="hold">
-                      <p:stCondLst>
-                        <p:cond delay="indefinite"/>
-                      </p:stCondLst>
-                      <p:childTnLst>
-                        <p:par>
-                          <p:cTn id="109" fill="hold">
-                            <p:stCondLst>
-                              <p:cond delay="0"/>
-                            </p:stCondLst>
-                            <p:childTnLst>
-                              <p:par>
-                                <p:cTn id="110" presetID="53" presetClass="entr" presetSubtype="16" fill="hold" grpId="0" nodeType="clickEffect">
-                                  <p:stCondLst>
-                                    <p:cond delay="0"/>
-                                  </p:stCondLst>
-                                  <p:childTnLst>
-                                    <p:set>
-                                      <p:cBhvr>
-                                        <p:cTn id="111" dur="1" fill="hold">
-                                          <p:stCondLst>
-                                            <p:cond delay="0"/>
-                                          </p:stCondLst>
-                                        </p:cTn>
-                                        <p:tgtEl>
-                                          <p:spTgt spid="9">
-                                            <p:txEl>
-                                              <p:pRg st="6" end="6"/>
-                                            </p:txEl>
-                                          </p:spTgt>
-                                        </p:tgtEl>
-                                        <p:attrNameLst>
-                                          <p:attrName>style.visibility</p:attrName>
-                                        </p:attrNameLst>
-                                      </p:cBhvr>
-                                      <p:to>
-                                        <p:strVal val="visible"/>
-                                      </p:to>
-                                    </p:set>
-                                    <p:anim calcmode="lin" valueType="num">
-                                      <p:cBhvr>
-                                        <p:cTn id="112" dur="500" fill="hold"/>
-                                        <p:tgtEl>
-                                          <p:spTgt spid="9">
-                                            <p:txEl>
-                                              <p:pRg st="6" end="6"/>
-                                            </p:txEl>
-                                          </p:spTgt>
-                                        </p:tgtEl>
-                                        <p:attrNameLst>
-                                          <p:attrName>ppt_w</p:attrName>
-                                        </p:attrNameLst>
-                                      </p:cBhvr>
-                                      <p:tavLst>
-                                        <p:tav tm="0">
-                                          <p:val>
-                                            <p:fltVal val="0"/>
-                                          </p:val>
-                                        </p:tav>
-                                        <p:tav tm="100000">
-                                          <p:val>
-                                            <p:strVal val="#ppt_w"/>
-                                          </p:val>
-                                        </p:tav>
-                                      </p:tavLst>
-                                    </p:anim>
-                                    <p:anim calcmode="lin" valueType="num">
-                                      <p:cBhvr>
-                                        <p:cTn id="113" dur="500" fill="hold"/>
-                                        <p:tgtEl>
-                                          <p:spTgt spid="9">
-                                            <p:txEl>
-                                              <p:pRg st="6" end="6"/>
-                                            </p:txEl>
-                                          </p:spTgt>
-                                        </p:tgtEl>
-                                        <p:attrNameLst>
-                                          <p:attrName>ppt_h</p:attrName>
-                                        </p:attrNameLst>
-                                      </p:cBhvr>
-                                      <p:tavLst>
-                                        <p:tav tm="0">
-                                          <p:val>
-                                            <p:fltVal val="0"/>
-                                          </p:val>
-                                        </p:tav>
-                                        <p:tav tm="100000">
-                                          <p:val>
-                                            <p:strVal val="#ppt_h"/>
-                                          </p:val>
-                                        </p:tav>
-                                      </p:tavLst>
-                                    </p:anim>
-                                    <p:animEffect transition="in" filter="fade">
-                                      <p:cBhvr>
-                                        <p:cTn id="114" dur="500"/>
-                                        <p:tgtEl>
-                                          <p:spTgt spid="9">
-                                            <p:txEl>
-                                              <p:pRg st="6" end="6"/>
-                                            </p:txEl>
-                                          </p:spTgt>
-                                        </p:tgtEl>
-                                      </p:cBhvr>
-                                    </p:animEffect>
-                                  </p:childTnLst>
-                                </p:cTn>
-                              </p:par>
-                            </p:childTnLst>
-                          </p:cTn>
-                        </p:par>
-                      </p:childTnLst>
-                    </p:cTn>
-                  </p:par>
-                </p:childTnLst>
-              </p:cTn>
-              <p:prevCondLst>
-                <p:cond evt="onPrev" delay="0">
-                  <p:tgtEl>
-                    <p:sldTgt/>
-                  </p:tgtEl>
-                </p:cond>
-              </p:prevCondLst>
-              <p:nextCondLst>
-                <p:cond evt="onNext" delay="0">
-                  <p:tgtEl>
-                    <p:sldTgt/>
-                  </p:tgtEl>
-                </p:cond>
-              </p:nextCondLst>
-            </p:seq>
-          </p:childTnLst>
-        </p:cTn>
-      </p:par>
-    </p:tnLst>
-    <p:bldLst>
-      <p:bldP spid="5" grpId="0" animBg="1"/>
-      <p:bldP spid="27" grpId="0" animBg="1"/>
-      <p:bldP spid="9" grpId="0" uiExpand="1" build="p"/>
-      <p:bldP spid="4" grpId="0" animBg="1"/>
-      <p:bldP spid="12" grpId="0" animBg="1"/>
-      <p:bldP spid="14" grpId="0" animBg="1"/>
-      <p:bldP spid="17" grpId="0" animBg="1"/>
-      <p:bldP spid="22" grpId="0" animBg="1"/>
-      <p:bldP spid="23" grpId="0" animBg="1"/>
-      <p:bldP spid="24" grpId="0" animBg="1"/>
-      <p:bldP spid="28" grpId="0" animBg="1"/>
-      <p:bldP spid="11" grpId="0" animBg="1"/>
-      <p:bldP spid="29" grpId="0" animBg="1"/>
-    </p:bldLst>
   </p:timing>
 </p:sld>
 </file>

--- a/doc/yass.pptx
+++ b/doc/yass.pptx
@@ -135,10 +135,6 @@
 </p:presentation>
 </file>
 
-<file path=ppt/revisionInfo.xml><?xml version="1.0" encoding="utf-8"?>
-<p1510:revInfo xmlns:a="http://schemas.openxmlformats.org/drawingml/2006/main" xmlns:r="http://schemas.openxmlformats.org/officeDocument/2006/relationships" xmlns:p1510="http://schemas.microsoft.com/office/powerpoint/2015/10/main"/>
-</file>
-
 <file path=ppt/notesMasters/notesMaster1.xml><?xml version="1.0" encoding="utf-8"?>
 <p:notesMaster xmlns:a="http://schemas.openxmlformats.org/drawingml/2006/main" xmlns:r="http://schemas.openxmlformats.org/officeDocument/2006/relationships" xmlns:p="http://schemas.openxmlformats.org/presentationml/2006/main">
   <p:cSld>
@@ -221,7 +217,7 @@
           <a:p>
             <a:fld id="{B1A0F37F-6A46-42A2-94DF-9EA80853E4DE}" type="datetimeFigureOut">
               <a:rPr lang="en-US" smtClean="0"/>
-              <a:t>8/1/2017</a:t>
+              <a:t>7/1/2018</a:t>
             </a:fld>
             <a:endParaRPr lang="en-US"/>
           </a:p>
@@ -623,7 +619,7 @@
           <a:p>
             <a:fld id="{8DEB70C1-CC5B-40EB-866E-F70B49586701}" type="datetimeFigureOut">
               <a:rPr lang="en-US" smtClean="0"/>
-              <a:t>8/1/2017</a:t>
+              <a:t>7/1/2018</a:t>
             </a:fld>
             <a:endParaRPr lang="en-US"/>
           </a:p>
@@ -801,7 +797,7 @@
           <a:p>
             <a:fld id="{8DEB70C1-CC5B-40EB-866E-F70B49586701}" type="datetimeFigureOut">
               <a:rPr lang="en-US" smtClean="0"/>
-              <a:t>8/1/2017</a:t>
+              <a:t>7/1/2018</a:t>
             </a:fld>
             <a:endParaRPr lang="en-US"/>
           </a:p>
@@ -984,7 +980,7 @@
           <a:p>
             <a:fld id="{8DEB70C1-CC5B-40EB-866E-F70B49586701}" type="datetimeFigureOut">
               <a:rPr lang="en-US" smtClean="0"/>
-              <a:t>8/1/2017</a:t>
+              <a:t>7/1/2018</a:t>
             </a:fld>
             <a:endParaRPr lang="en-US"/>
           </a:p>
@@ -1165,7 +1161,7 @@
           <a:p>
             <a:fld id="{8DEB70C1-CC5B-40EB-866E-F70B49586701}" type="datetimeFigureOut">
               <a:rPr lang="en-US" smtClean="0"/>
-              <a:t>8/1/2017</a:t>
+              <a:t>7/1/2018</a:t>
             </a:fld>
             <a:endParaRPr lang="en-US"/>
           </a:p>
@@ -1414,7 +1410,7 @@
           <a:p>
             <a:fld id="{8DEB70C1-CC5B-40EB-866E-F70B49586701}" type="datetimeFigureOut">
               <a:rPr lang="en-US" smtClean="0"/>
-              <a:t>8/1/2017</a:t>
+              <a:t>7/1/2018</a:t>
             </a:fld>
             <a:endParaRPr lang="en-US"/>
           </a:p>
@@ -1654,7 +1650,7 @@
           <a:p>
             <a:fld id="{8DEB70C1-CC5B-40EB-866E-F70B49586701}" type="datetimeFigureOut">
               <a:rPr lang="en-US" smtClean="0"/>
-              <a:t>8/1/2017</a:t>
+              <a:t>7/1/2018</a:t>
             </a:fld>
             <a:endParaRPr lang="en-US"/>
           </a:p>
@@ -2024,7 +2020,7 @@
           <a:p>
             <a:fld id="{8DEB70C1-CC5B-40EB-866E-F70B49586701}" type="datetimeFigureOut">
               <a:rPr lang="en-US" smtClean="0"/>
-              <a:t>8/1/2017</a:t>
+              <a:t>7/1/2018</a:t>
             </a:fld>
             <a:endParaRPr lang="en-US"/>
           </a:p>
@@ -2150,7 +2146,7 @@
           <a:p>
             <a:fld id="{8DEB70C1-CC5B-40EB-866E-F70B49586701}" type="datetimeFigureOut">
               <a:rPr lang="en-US" smtClean="0"/>
-              <a:t>8/1/2017</a:t>
+              <a:t>7/1/2018</a:t>
             </a:fld>
             <a:endParaRPr lang="en-US"/>
           </a:p>
@@ -2245,7 +2241,7 @@
           <a:p>
             <a:fld id="{8DEB70C1-CC5B-40EB-866E-F70B49586701}" type="datetimeFigureOut">
               <a:rPr lang="en-US" smtClean="0"/>
-              <a:t>8/1/2017</a:t>
+              <a:t>7/1/2018</a:t>
             </a:fld>
             <a:endParaRPr lang="en-US"/>
           </a:p>
@@ -2525,7 +2521,7 @@
           <a:p>
             <a:fld id="{8DEB70C1-CC5B-40EB-866E-F70B49586701}" type="datetimeFigureOut">
               <a:rPr lang="en-US" smtClean="0"/>
-              <a:t>8/1/2017</a:t>
+              <a:t>7/1/2018</a:t>
             </a:fld>
             <a:endParaRPr lang="en-US"/>
           </a:p>
@@ -2785,7 +2781,7 @@
           <a:p>
             <a:fld id="{8DEB70C1-CC5B-40EB-866E-F70B49586701}" type="datetimeFigureOut">
               <a:rPr lang="en-US" smtClean="0"/>
-              <a:t>8/1/2017</a:t>
+              <a:t>7/1/2018</a:t>
             </a:fld>
             <a:endParaRPr lang="en-US"/>
           </a:p>
@@ -3003,7 +2999,7 @@
           <a:p>
             <a:fld id="{8DEB70C1-CC5B-40EB-866E-F70B49586701}" type="datetimeFigureOut">
               <a:rPr lang="en-US" smtClean="0"/>
-              <a:t>8/1/2017</a:t>
+              <a:t>7/1/2018</a:t>
             </a:fld>
             <a:endParaRPr lang="en-US"/>
           </a:p>
@@ -5450,8 +5446,12 @@
               <a:rPr lang="en-US" sz="2400" dirty="0"/>
             </a:br>
             <a:r>
+              <a:rPr lang="en-US" sz="2400"/>
+              <a:t>to byte </a:t>
+            </a:r>
+            <a:r>
               <a:rPr lang="en-US" sz="2400" dirty="0"/>
-              <a:t>to byte chunks</a:t>
+              <a:t>chunks</a:t>
             </a:r>
           </a:p>
         </p:txBody>
